--- a/pic/xipi/xipi.pptx
+++ b/pic/xipi/xipi.pptx
@@ -121,7 +121,7 @@
 <file path=ppt/revisionInfo.xml><?xml version="1.0" encoding="utf-8"?>
 <p1510:revInfo xmlns:a="http://schemas.openxmlformats.org/drawingml/2006/main" xmlns:r="http://schemas.openxmlformats.org/officeDocument/2006/relationships" xmlns:p1510="http://schemas.microsoft.com/office/powerpoint/2015/10/main">
   <p1510:revLst>
-    <p1510:client id="{54E3E17B-799F-480B-956B-5B6CDDEA0C88}" v="107" dt="2020-03-26T14:34:41.050"/>
+    <p1510:client id="{54E3E17B-799F-480B-956B-5B6CDDEA0C88}" v="108" dt="2020-04-02T12:28:37.657"/>
   </p1510:revLst>
 </p1510:revInfo>
 </file>
@@ -131,12 +131,12 @@
   <pc:docChgLst>
     <pc:chgData name="Andy Shiang Hu" userId="80fa400d-f861-43d4-af19-39343cd31f21" providerId="ADAL" clId="{54E3E17B-799F-480B-956B-5B6CDDEA0C88}"/>
     <pc:docChg chg="undo custSel addSld delSld modSld">
-      <pc:chgData name="Andy Shiang Hu" userId="80fa400d-f861-43d4-af19-39343cd31f21" providerId="ADAL" clId="{54E3E17B-799F-480B-956B-5B6CDDEA0C88}" dt="2020-03-26T14:34:41.049" v="1218" actId="164"/>
+      <pc:chgData name="Andy Shiang Hu" userId="80fa400d-f861-43d4-af19-39343cd31f21" providerId="ADAL" clId="{54E3E17B-799F-480B-956B-5B6CDDEA0C88}" dt="2020-04-02T12:28:37.656" v="1220" actId="1076"/>
       <pc:docMkLst>
         <pc:docMk/>
       </pc:docMkLst>
       <pc:sldChg chg="addSp delSp modSp add">
-        <pc:chgData name="Andy Shiang Hu" userId="80fa400d-f861-43d4-af19-39343cd31f21" providerId="ADAL" clId="{54E3E17B-799F-480B-956B-5B6CDDEA0C88}" dt="2020-03-26T08:27:05.011" v="959" actId="1076"/>
+        <pc:chgData name="Andy Shiang Hu" userId="80fa400d-f861-43d4-af19-39343cd31f21" providerId="ADAL" clId="{54E3E17B-799F-480B-956B-5B6CDDEA0C88}" dt="2020-04-02T12:28:37.656" v="1220" actId="1076"/>
         <pc:sldMkLst>
           <pc:docMk/>
           <pc:sldMk cId="3805256400" sldId="256"/>
@@ -198,7 +198,7 @@
           </ac:spMkLst>
         </pc:spChg>
         <pc:grpChg chg="add mod">
-          <ac:chgData name="Andy Shiang Hu" userId="80fa400d-f861-43d4-af19-39343cd31f21" providerId="ADAL" clId="{54E3E17B-799F-480B-956B-5B6CDDEA0C88}" dt="2020-03-26T08:27:05.011" v="959" actId="1076"/>
+          <ac:chgData name="Andy Shiang Hu" userId="80fa400d-f861-43d4-af19-39343cd31f21" providerId="ADAL" clId="{54E3E17B-799F-480B-956B-5B6CDDEA0C88}" dt="2020-04-02T12:28:37.656" v="1220" actId="1076"/>
           <ac:grpSpMkLst>
             <pc:docMk/>
             <pc:sldMk cId="3805256400" sldId="256"/>
@@ -620,7 +620,7 @@
         </pc:picChg>
       </pc:sldChg>
       <pc:sldChg chg="addSp delSp modSp add">
-        <pc:chgData name="Andy Shiang Hu" userId="80fa400d-f861-43d4-af19-39343cd31f21" providerId="ADAL" clId="{54E3E17B-799F-480B-956B-5B6CDDEA0C88}" dt="2020-03-26T07:01:22.615" v="958" actId="1076"/>
+        <pc:chgData name="Andy Shiang Hu" userId="80fa400d-f861-43d4-af19-39343cd31f21" providerId="ADAL" clId="{54E3E17B-799F-480B-956B-5B6CDDEA0C88}" dt="2020-04-02T12:27:09.513" v="1219" actId="1076"/>
         <pc:sldMkLst>
           <pc:docMk/>
           <pc:sldMk cId="113311196" sldId="260"/>
@@ -642,7 +642,7 @@
           </ac:spMkLst>
         </pc:spChg>
         <pc:grpChg chg="add mod">
-          <ac:chgData name="Andy Shiang Hu" userId="80fa400d-f861-43d4-af19-39343cd31f21" providerId="ADAL" clId="{54E3E17B-799F-480B-956B-5B6CDDEA0C88}" dt="2020-03-26T07:01:22.615" v="958" actId="1076"/>
+          <ac:chgData name="Andy Shiang Hu" userId="80fa400d-f861-43d4-af19-39343cd31f21" providerId="ADAL" clId="{54E3E17B-799F-480B-956B-5B6CDDEA0C88}" dt="2020-04-02T12:27:09.513" v="1219" actId="1076"/>
           <ac:grpSpMkLst>
             <pc:docMk/>
             <pc:sldMk cId="113311196" sldId="260"/>
@@ -1023,7 +1023,7 @@
           <a:p>
             <a:fld id="{20DD242F-0FCD-445C-B26C-5C7F9279A171}" type="datetimeFigureOut">
               <a:rPr lang="en-US" smtClean="0"/>
-              <a:t>3/26/2020</a:t>
+              <a:t>4/2/2020</a:t>
             </a:fld>
             <a:endParaRPr lang="en-US"/>
           </a:p>
@@ -1221,7 +1221,7 @@
           <a:p>
             <a:fld id="{20DD242F-0FCD-445C-B26C-5C7F9279A171}" type="datetimeFigureOut">
               <a:rPr lang="en-US" smtClean="0"/>
-              <a:t>3/26/2020</a:t>
+              <a:t>4/2/2020</a:t>
             </a:fld>
             <a:endParaRPr lang="en-US"/>
           </a:p>
@@ -1429,7 +1429,7 @@
           <a:p>
             <a:fld id="{20DD242F-0FCD-445C-B26C-5C7F9279A171}" type="datetimeFigureOut">
               <a:rPr lang="en-US" smtClean="0"/>
-              <a:t>3/26/2020</a:t>
+              <a:t>4/2/2020</a:t>
             </a:fld>
             <a:endParaRPr lang="en-US"/>
           </a:p>
@@ -1627,7 +1627,7 @@
           <a:p>
             <a:fld id="{20DD242F-0FCD-445C-B26C-5C7F9279A171}" type="datetimeFigureOut">
               <a:rPr lang="en-US" smtClean="0"/>
-              <a:t>3/26/2020</a:t>
+              <a:t>4/2/2020</a:t>
             </a:fld>
             <a:endParaRPr lang="en-US"/>
           </a:p>
@@ -1902,7 +1902,7 @@
           <a:p>
             <a:fld id="{20DD242F-0FCD-445C-B26C-5C7F9279A171}" type="datetimeFigureOut">
               <a:rPr lang="en-US" smtClean="0"/>
-              <a:t>3/26/2020</a:t>
+              <a:t>4/2/2020</a:t>
             </a:fld>
             <a:endParaRPr lang="en-US"/>
           </a:p>
@@ -2167,7 +2167,7 @@
           <a:p>
             <a:fld id="{20DD242F-0FCD-445C-B26C-5C7F9279A171}" type="datetimeFigureOut">
               <a:rPr lang="en-US" smtClean="0"/>
-              <a:t>3/26/2020</a:t>
+              <a:t>4/2/2020</a:t>
             </a:fld>
             <a:endParaRPr lang="en-US"/>
           </a:p>
@@ -2579,7 +2579,7 @@
           <a:p>
             <a:fld id="{20DD242F-0FCD-445C-B26C-5C7F9279A171}" type="datetimeFigureOut">
               <a:rPr lang="en-US" smtClean="0"/>
-              <a:t>3/26/2020</a:t>
+              <a:t>4/2/2020</a:t>
             </a:fld>
             <a:endParaRPr lang="en-US"/>
           </a:p>
@@ -2720,7 +2720,7 @@
           <a:p>
             <a:fld id="{20DD242F-0FCD-445C-B26C-5C7F9279A171}" type="datetimeFigureOut">
               <a:rPr lang="en-US" smtClean="0"/>
-              <a:t>3/26/2020</a:t>
+              <a:t>4/2/2020</a:t>
             </a:fld>
             <a:endParaRPr lang="en-US"/>
           </a:p>
@@ -2833,7 +2833,7 @@
           <a:p>
             <a:fld id="{20DD242F-0FCD-445C-B26C-5C7F9279A171}" type="datetimeFigureOut">
               <a:rPr lang="en-US" smtClean="0"/>
-              <a:t>3/26/2020</a:t>
+              <a:t>4/2/2020</a:t>
             </a:fld>
             <a:endParaRPr lang="en-US"/>
           </a:p>
@@ -3144,7 +3144,7 @@
           <a:p>
             <a:fld id="{20DD242F-0FCD-445C-B26C-5C7F9279A171}" type="datetimeFigureOut">
               <a:rPr lang="en-US" smtClean="0"/>
-              <a:t>3/26/2020</a:t>
+              <a:t>4/2/2020</a:t>
             </a:fld>
             <a:endParaRPr lang="en-US"/>
           </a:p>
@@ -3432,7 +3432,7 @@
           <a:p>
             <a:fld id="{20DD242F-0FCD-445C-B26C-5C7F9279A171}" type="datetimeFigureOut">
               <a:rPr lang="en-US" smtClean="0"/>
-              <a:t>3/26/2020</a:t>
+              <a:t>4/2/2020</a:t>
             </a:fld>
             <a:endParaRPr lang="en-US"/>
           </a:p>
@@ -3673,7 +3673,7 @@
           <a:p>
             <a:fld id="{20DD242F-0FCD-445C-B26C-5C7F9279A171}" type="datetimeFigureOut">
               <a:rPr lang="en-US" smtClean="0"/>
-              <a:t>3/26/2020</a:t>
+              <a:t>4/2/2020</a:t>
             </a:fld>
             <a:endParaRPr lang="en-US"/>
           </a:p>
@@ -4104,7 +4104,7 @@
         </p:nvGrpSpPr>
         <p:grpSpPr>
           <a:xfrm>
-            <a:off x="1206058" y="43412"/>
+            <a:off x="1206058" y="-71572"/>
             <a:ext cx="8769215" cy="6541207"/>
             <a:chOff x="617240" y="219812"/>
             <a:chExt cx="8769215" cy="6541207"/>
@@ -5432,7 +5432,7 @@
         </p:nvGrpSpPr>
         <p:grpSpPr>
           <a:xfrm>
-            <a:off x="197116" y="-63173"/>
+            <a:off x="186165" y="139419"/>
             <a:ext cx="4615803" cy="2505426"/>
             <a:chOff x="3099104" y="2176286"/>
             <a:chExt cx="4615803" cy="2505426"/>

--- a/pic/xipi/xipi.pptx
+++ b/pic/xipi/xipi.pptx
@@ -8,10 +8,13 @@
     <p:sldId id="256" r:id="rId2"/>
     <p:sldId id="257" r:id="rId3"/>
     <p:sldId id="258" r:id="rId4"/>
-    <p:sldId id="259" r:id="rId5"/>
-    <p:sldId id="260" r:id="rId6"/>
-    <p:sldId id="262" r:id="rId7"/>
-    <p:sldId id="263" r:id="rId8"/>
+    <p:sldId id="266" r:id="rId5"/>
+    <p:sldId id="259" r:id="rId6"/>
+    <p:sldId id="260" r:id="rId7"/>
+    <p:sldId id="262" r:id="rId8"/>
+    <p:sldId id="264" r:id="rId9"/>
+    <p:sldId id="267" r:id="rId10"/>
+    <p:sldId id="263" r:id="rId11"/>
   </p:sldIdLst>
   <p:sldSz cx="12192000" cy="6858000"/>
   <p:notesSz cx="6858000" cy="9144000"/>
@@ -1023,7 +1026,7 @@
           <a:p>
             <a:fld id="{20DD242F-0FCD-445C-B26C-5C7F9279A171}" type="datetimeFigureOut">
               <a:rPr lang="en-US" smtClean="0"/>
-              <a:t>4/2/2020</a:t>
+              <a:t>6/12/2020</a:t>
             </a:fld>
             <a:endParaRPr lang="en-US"/>
           </a:p>
@@ -1221,7 +1224,7 @@
           <a:p>
             <a:fld id="{20DD242F-0FCD-445C-B26C-5C7F9279A171}" type="datetimeFigureOut">
               <a:rPr lang="en-US" smtClean="0"/>
-              <a:t>4/2/2020</a:t>
+              <a:t>6/12/2020</a:t>
             </a:fld>
             <a:endParaRPr lang="en-US"/>
           </a:p>
@@ -1429,7 +1432,7 @@
           <a:p>
             <a:fld id="{20DD242F-0FCD-445C-B26C-5C7F9279A171}" type="datetimeFigureOut">
               <a:rPr lang="en-US" smtClean="0"/>
-              <a:t>4/2/2020</a:t>
+              <a:t>6/12/2020</a:t>
             </a:fld>
             <a:endParaRPr lang="en-US"/>
           </a:p>
@@ -1627,7 +1630,7 @@
           <a:p>
             <a:fld id="{20DD242F-0FCD-445C-B26C-5C7F9279A171}" type="datetimeFigureOut">
               <a:rPr lang="en-US" smtClean="0"/>
-              <a:t>4/2/2020</a:t>
+              <a:t>6/12/2020</a:t>
             </a:fld>
             <a:endParaRPr lang="en-US"/>
           </a:p>
@@ -1902,7 +1905,7 @@
           <a:p>
             <a:fld id="{20DD242F-0FCD-445C-B26C-5C7F9279A171}" type="datetimeFigureOut">
               <a:rPr lang="en-US" smtClean="0"/>
-              <a:t>4/2/2020</a:t>
+              <a:t>6/12/2020</a:t>
             </a:fld>
             <a:endParaRPr lang="en-US"/>
           </a:p>
@@ -2167,7 +2170,7 @@
           <a:p>
             <a:fld id="{20DD242F-0FCD-445C-B26C-5C7F9279A171}" type="datetimeFigureOut">
               <a:rPr lang="en-US" smtClean="0"/>
-              <a:t>4/2/2020</a:t>
+              <a:t>6/12/2020</a:t>
             </a:fld>
             <a:endParaRPr lang="en-US"/>
           </a:p>
@@ -2579,7 +2582,7 @@
           <a:p>
             <a:fld id="{20DD242F-0FCD-445C-B26C-5C7F9279A171}" type="datetimeFigureOut">
               <a:rPr lang="en-US" smtClean="0"/>
-              <a:t>4/2/2020</a:t>
+              <a:t>6/12/2020</a:t>
             </a:fld>
             <a:endParaRPr lang="en-US"/>
           </a:p>
@@ -2720,7 +2723,7 @@
           <a:p>
             <a:fld id="{20DD242F-0FCD-445C-B26C-5C7F9279A171}" type="datetimeFigureOut">
               <a:rPr lang="en-US" smtClean="0"/>
-              <a:t>4/2/2020</a:t>
+              <a:t>6/12/2020</a:t>
             </a:fld>
             <a:endParaRPr lang="en-US"/>
           </a:p>
@@ -2833,7 +2836,7 @@
           <a:p>
             <a:fld id="{20DD242F-0FCD-445C-B26C-5C7F9279A171}" type="datetimeFigureOut">
               <a:rPr lang="en-US" smtClean="0"/>
-              <a:t>4/2/2020</a:t>
+              <a:t>6/12/2020</a:t>
             </a:fld>
             <a:endParaRPr lang="en-US"/>
           </a:p>
@@ -3144,7 +3147,7 @@
           <a:p>
             <a:fld id="{20DD242F-0FCD-445C-B26C-5C7F9279A171}" type="datetimeFigureOut">
               <a:rPr lang="en-US" smtClean="0"/>
-              <a:t>4/2/2020</a:t>
+              <a:t>6/12/2020</a:t>
             </a:fld>
             <a:endParaRPr lang="en-US"/>
           </a:p>
@@ -3432,7 +3435,7 @@
           <a:p>
             <a:fld id="{20DD242F-0FCD-445C-B26C-5C7F9279A171}" type="datetimeFigureOut">
               <a:rPr lang="en-US" smtClean="0"/>
-              <a:t>4/2/2020</a:t>
+              <a:t>6/12/2020</a:t>
             </a:fld>
             <a:endParaRPr lang="en-US"/>
           </a:p>
@@ -3673,7 +3676,7 @@
           <a:p>
             <a:fld id="{20DD242F-0FCD-445C-B26C-5C7F9279A171}" type="datetimeFigureOut">
               <a:rPr lang="en-US" smtClean="0"/>
-              <a:t>4/2/2020</a:t>
+              <a:t>6/12/2020</a:t>
             </a:fld>
             <a:endParaRPr lang="en-US"/>
           </a:p>
@@ -4092,10 +4095,10 @@
       </p:grpSpPr>
       <p:grpSp>
         <p:nvGrpSpPr>
-          <p:cNvPr id="16" name="Group 15">
-            <a:extLst>
-              <a:ext uri="{FF2B5EF4-FFF2-40B4-BE49-F238E27FC236}">
-                <a16:creationId xmlns:a16="http://schemas.microsoft.com/office/drawing/2014/main" id="{7618EF4E-AAB7-4DFE-BA85-774AE7C8329B}"/>
+          <p:cNvPr id="38" name="Group 37">
+            <a:extLst>
+              <a:ext uri="{FF2B5EF4-FFF2-40B4-BE49-F238E27FC236}">
+                <a16:creationId xmlns:a16="http://schemas.microsoft.com/office/drawing/2014/main" id="{96BA8EB2-4B41-41BB-A110-3E7A6E3A3ADE}"/>
               </a:ext>
             </a:extLst>
           </p:cNvPr>
@@ -4105,170 +4108,544 @@
         <p:grpSpPr>
           <a:xfrm>
             <a:off x="1206058" y="-71572"/>
-            <a:ext cx="8769215" cy="6541207"/>
-            <a:chOff x="617240" y="219812"/>
-            <a:chExt cx="8769215" cy="6541207"/>
+            <a:ext cx="8769215" cy="6602762"/>
+            <a:chOff x="1206058" y="-71572"/>
+            <a:chExt cx="8769215" cy="6602762"/>
           </a:xfrm>
         </p:grpSpPr>
-        <p:pic>
-          <p:nvPicPr>
-            <p:cNvPr id="5" name="Picture 4" descr="A close up of a map&#10;&#10;Description automatically generated">
+        <p:grpSp>
+          <p:nvGrpSpPr>
+            <p:cNvPr id="16" name="Group 15">
               <a:extLst>
                 <a:ext uri="{FF2B5EF4-FFF2-40B4-BE49-F238E27FC236}">
-                  <a16:creationId xmlns:a16="http://schemas.microsoft.com/office/drawing/2014/main" id="{E564DE19-C6E2-4382-8FE1-09578DB7405E}"/>
+                  <a16:creationId xmlns:a16="http://schemas.microsoft.com/office/drawing/2014/main" id="{7618EF4E-AAB7-4DFE-BA85-774AE7C8329B}"/>
                 </a:ext>
               </a:extLst>
             </p:cNvPr>
-            <p:cNvPicPr>
-              <a:picLocks noChangeAspect="1"/>
-            </p:cNvPicPr>
+            <p:cNvGrpSpPr/>
             <p:nvPr/>
-          </p:nvPicPr>
-          <p:blipFill>
-            <a:blip r:embed="rId2">
+          </p:nvGrpSpPr>
+          <p:grpSpPr>
+            <a:xfrm>
+              <a:off x="1206058" y="-71572"/>
+              <a:ext cx="8769215" cy="6541207"/>
+              <a:chOff x="617240" y="219812"/>
+              <a:chExt cx="8769215" cy="6541207"/>
+            </a:xfrm>
+          </p:grpSpPr>
+          <p:pic>
+            <p:nvPicPr>
+              <p:cNvPr id="5" name="Picture 4" descr="A close up of a map&#10;&#10;Description automatically generated">
+                <a:extLst>
+                  <a:ext uri="{FF2B5EF4-FFF2-40B4-BE49-F238E27FC236}">
+                    <a16:creationId xmlns:a16="http://schemas.microsoft.com/office/drawing/2014/main" id="{E564DE19-C6E2-4382-8FE1-09578DB7405E}"/>
+                  </a:ext>
+                </a:extLst>
+              </p:cNvPr>
+              <p:cNvPicPr>
+                <a:picLocks noChangeAspect="1"/>
+              </p:cNvPicPr>
+              <p:nvPr/>
+            </p:nvPicPr>
+            <p:blipFill>
+              <a:blip r:embed="rId2">
+                <a:extLst>
+                  <a:ext uri="{28A0092B-C50C-407E-A947-70E740481C1C}">
+                    <a14:useLocalDpi xmlns:a14="http://schemas.microsoft.com/office/drawing/2010/main" val="0"/>
+                  </a:ext>
+                </a:extLst>
+              </a:blip>
+              <a:stretch>
+                <a:fillRect/>
+              </a:stretch>
+            </p:blipFill>
+            <p:spPr>
+              <a:xfrm>
+                <a:off x="5217658" y="363818"/>
+                <a:ext cx="4168797" cy="3126598"/>
+              </a:xfrm>
+              <a:prstGeom prst="rect">
+                <a:avLst/>
+              </a:prstGeom>
+            </p:spPr>
+          </p:pic>
+          <p:pic>
+            <p:nvPicPr>
+              <p:cNvPr id="7" name="Picture 6" descr="A close up of a map&#10;&#10;Description automatically generated">
+                <a:extLst>
+                  <a:ext uri="{FF2B5EF4-FFF2-40B4-BE49-F238E27FC236}">
+                    <a16:creationId xmlns:a16="http://schemas.microsoft.com/office/drawing/2014/main" id="{2D923782-6ED3-4E08-992A-974A4887C658}"/>
+                  </a:ext>
+                </a:extLst>
+              </p:cNvPr>
+              <p:cNvPicPr>
+                <a:picLocks noChangeAspect="1"/>
+              </p:cNvPicPr>
+              <p:nvPr/>
+            </p:nvPicPr>
+            <p:blipFill>
+              <a:blip r:embed="rId3">
+                <a:extLst>
+                  <a:ext uri="{28A0092B-C50C-407E-A947-70E740481C1C}">
+                    <a14:useLocalDpi xmlns:a14="http://schemas.microsoft.com/office/drawing/2010/main" val="0"/>
+                  </a:ext>
+                </a:extLst>
+              </a:blip>
+              <a:stretch>
+                <a:fillRect/>
+              </a:stretch>
+            </p:blipFill>
+            <p:spPr>
+              <a:xfrm>
+                <a:off x="791128" y="363819"/>
+                <a:ext cx="4168796" cy="3126597"/>
+              </a:xfrm>
+              <a:prstGeom prst="rect">
+                <a:avLst/>
+              </a:prstGeom>
+            </p:spPr>
+          </p:pic>
+          <p:pic>
+            <p:nvPicPr>
+              <p:cNvPr id="9" name="Picture 8" descr="A close up of a map&#10;&#10;Description automatically generated">
+                <a:extLst>
+                  <a:ext uri="{FF2B5EF4-FFF2-40B4-BE49-F238E27FC236}">
+                    <a16:creationId xmlns:a16="http://schemas.microsoft.com/office/drawing/2014/main" id="{3FE4491A-9D30-4CCA-AD27-BF4904F54108}"/>
+                  </a:ext>
+                </a:extLst>
+              </p:cNvPr>
+              <p:cNvPicPr>
+                <a:picLocks noChangeAspect="1"/>
+              </p:cNvPicPr>
+              <p:nvPr/>
+            </p:nvPicPr>
+            <p:blipFill>
+              <a:blip r:embed="rId4">
+                <a:extLst>
+                  <a:ext uri="{28A0092B-C50C-407E-A947-70E740481C1C}">
+                    <a14:useLocalDpi xmlns:a14="http://schemas.microsoft.com/office/drawing/2010/main" val="0"/>
+                  </a:ext>
+                </a:extLst>
+              </a:blip>
+              <a:stretch>
+                <a:fillRect/>
+              </a:stretch>
+            </p:blipFill>
+            <p:spPr>
+              <a:xfrm>
+                <a:off x="791128" y="3634422"/>
+                <a:ext cx="4168796" cy="3126597"/>
+              </a:xfrm>
+              <a:prstGeom prst="rect">
+                <a:avLst/>
+              </a:prstGeom>
+            </p:spPr>
+          </p:pic>
+          <p:pic>
+            <p:nvPicPr>
+              <p:cNvPr id="10" name="Picture 20">
+                <a:extLst>
+                  <a:ext uri="{FF2B5EF4-FFF2-40B4-BE49-F238E27FC236}">
+                    <a16:creationId xmlns:a16="http://schemas.microsoft.com/office/drawing/2014/main" id="{E2AA87DC-D73F-419B-8202-B360F48D6F64}"/>
+                  </a:ext>
+                </a:extLst>
+              </p:cNvPr>
+              <p:cNvPicPr>
+                <a:picLocks noChangeAspect="1" noChangeArrowheads="1"/>
+              </p:cNvPicPr>
+              <p:nvPr/>
+            </p:nvPicPr>
+            <p:blipFill rotWithShape="1">
+              <a:blip r:embed="rId5">
+                <a:extLst>
+                  <a:ext uri="{28A0092B-C50C-407E-A947-70E740481C1C}">
+                    <a14:useLocalDpi xmlns:a14="http://schemas.microsoft.com/office/drawing/2010/main" val="0"/>
+                  </a:ext>
+                </a:extLst>
+              </a:blip>
+              <a:srcRect l="52089" t="4346"/>
+              <a:stretch/>
+            </p:blipFill>
+            <p:spPr bwMode="auto">
+              <a:xfrm>
+                <a:off x="5399127" y="3721010"/>
+                <a:ext cx="3665902" cy="2922245"/>
+              </a:xfrm>
+              <a:prstGeom prst="rect">
+                <a:avLst/>
+              </a:prstGeom>
+              <a:noFill/>
               <a:extLst>
-                <a:ext uri="{28A0092B-C50C-407E-A947-70E740481C1C}">
-                  <a14:useLocalDpi xmlns:a14="http://schemas.microsoft.com/office/drawing/2010/main" val="0"/>
+                <a:ext uri="{909E8E84-426E-40DD-AFC4-6F175D3DCCD1}">
+                  <a14:hiddenFill xmlns:a14="http://schemas.microsoft.com/office/drawing/2010/main">
+                    <a:solidFill>
+                      <a:srgbClr val="FFFFFF"/>
+                    </a:solidFill>
+                  </a14:hiddenFill>
                 </a:ext>
               </a:extLst>
-            </a:blip>
-            <a:stretch>
-              <a:fillRect/>
-            </a:stretch>
-          </p:blipFill>
+            </p:spPr>
+          </p:pic>
+          <p:sp>
+            <p:nvSpPr>
+              <p:cNvPr id="11" name="TextBox 10">
+                <a:extLst>
+                  <a:ext uri="{FF2B5EF4-FFF2-40B4-BE49-F238E27FC236}">
+                    <a16:creationId xmlns:a16="http://schemas.microsoft.com/office/drawing/2014/main" id="{6E37EABB-5B26-4854-B031-C89B4519A57F}"/>
+                  </a:ext>
+                </a:extLst>
+              </p:cNvPr>
+              <p:cNvSpPr txBox="1"/>
+              <p:nvPr/>
+            </p:nvSpPr>
+            <p:spPr>
+              <a:xfrm>
+                <a:off x="7015633" y="3567121"/>
+                <a:ext cx="744661" cy="307777"/>
+              </a:xfrm>
+              <a:prstGeom prst="rect">
+                <a:avLst/>
+              </a:prstGeom>
+              <a:noFill/>
+            </p:spPr>
+            <p:txBody>
+              <a:bodyPr wrap="square" rtlCol="0">
+                <a:spAutoFit/>
+              </a:bodyPr>
+              <a:lstStyle/>
+              <a:p>
+                <a:pPr algn="ctr"/>
+                <a:r>
+                  <a:rPr lang="en-US" sz="1400" b="1" dirty="0">
+                    <a:solidFill>
+                      <a:prstClr val="black"/>
+                    </a:solidFill>
+                    <a:cs typeface="Calibri" panose="020F0502020204030204" pitchFamily="34" charset="0"/>
+                  </a:rPr>
+                  <a:t>FOF</a:t>
+                </a:r>
+                <a:endParaRPr lang="en-US" sz="1600" b="1" dirty="0">
+                  <a:solidFill>
+                    <a:prstClr val="black"/>
+                  </a:solidFill>
+                  <a:cs typeface="Calibri" panose="020F0502020204030204" pitchFamily="34" charset="0"/>
+                </a:endParaRPr>
+              </a:p>
+            </p:txBody>
+          </p:sp>
+          <p:sp>
+            <p:nvSpPr>
+              <p:cNvPr id="12" name="TextBox 11">
+                <a:extLst>
+                  <a:ext uri="{FF2B5EF4-FFF2-40B4-BE49-F238E27FC236}">
+                    <a16:creationId xmlns:a16="http://schemas.microsoft.com/office/drawing/2014/main" id="{9108BC7B-0386-40EC-9B1C-08A058E37290}"/>
+                  </a:ext>
+                </a:extLst>
+              </p:cNvPr>
+              <p:cNvSpPr txBox="1"/>
+              <p:nvPr/>
+            </p:nvSpPr>
+            <p:spPr>
+              <a:xfrm>
+                <a:off x="617240" y="219812"/>
+                <a:ext cx="394855" cy="584775"/>
+              </a:xfrm>
+              <a:prstGeom prst="rect">
+                <a:avLst/>
+              </a:prstGeom>
+              <a:noFill/>
+            </p:spPr>
+            <p:txBody>
+              <a:bodyPr wrap="square" rtlCol="0">
+                <a:spAutoFit/>
+              </a:bodyPr>
+              <a:lstStyle/>
+              <a:p>
+                <a:r>
+                  <a:rPr lang="en-US" sz="3200" b="1" dirty="0"/>
+                  <a:t>A</a:t>
+                </a:r>
+                <a:endParaRPr lang="en-US" b="1" dirty="0"/>
+              </a:p>
+            </p:txBody>
+          </p:sp>
+          <p:sp>
+            <p:nvSpPr>
+              <p:cNvPr id="13" name="TextBox 12">
+                <a:extLst>
+                  <a:ext uri="{FF2B5EF4-FFF2-40B4-BE49-F238E27FC236}">
+                    <a16:creationId xmlns:a16="http://schemas.microsoft.com/office/drawing/2014/main" id="{97B0DAF8-2FCE-4180-BD33-3BDA82ABF9D7}"/>
+                  </a:ext>
+                </a:extLst>
+              </p:cNvPr>
+              <p:cNvSpPr txBox="1"/>
+              <p:nvPr/>
+            </p:nvSpPr>
+            <p:spPr>
+              <a:xfrm>
+                <a:off x="4891364" y="223412"/>
+                <a:ext cx="394855" cy="584775"/>
+              </a:xfrm>
+              <a:prstGeom prst="rect">
+                <a:avLst/>
+              </a:prstGeom>
+              <a:noFill/>
+            </p:spPr>
+            <p:txBody>
+              <a:bodyPr wrap="square" rtlCol="0">
+                <a:spAutoFit/>
+              </a:bodyPr>
+              <a:lstStyle/>
+              <a:p>
+                <a:r>
+                  <a:rPr lang="en-US" sz="3200" b="1" dirty="0"/>
+                  <a:t>B</a:t>
+                </a:r>
+                <a:endParaRPr lang="en-US" b="1" dirty="0"/>
+              </a:p>
+            </p:txBody>
+          </p:sp>
+          <p:sp>
+            <p:nvSpPr>
+              <p:cNvPr id="14" name="TextBox 13">
+                <a:extLst>
+                  <a:ext uri="{FF2B5EF4-FFF2-40B4-BE49-F238E27FC236}">
+                    <a16:creationId xmlns:a16="http://schemas.microsoft.com/office/drawing/2014/main" id="{2285B206-8ACC-4FF0-8E0E-87CC4A90B96D}"/>
+                  </a:ext>
+                </a:extLst>
+              </p:cNvPr>
+              <p:cNvSpPr txBox="1"/>
+              <p:nvPr/>
+            </p:nvSpPr>
+            <p:spPr>
+              <a:xfrm>
+                <a:off x="617240" y="3490416"/>
+                <a:ext cx="394855" cy="584775"/>
+              </a:xfrm>
+              <a:prstGeom prst="rect">
+                <a:avLst/>
+              </a:prstGeom>
+              <a:noFill/>
+            </p:spPr>
+            <p:txBody>
+              <a:bodyPr wrap="square" rtlCol="0">
+                <a:spAutoFit/>
+              </a:bodyPr>
+              <a:lstStyle/>
+              <a:p>
+                <a:r>
+                  <a:rPr lang="en-US" sz="3200" b="1" dirty="0"/>
+                  <a:t>C</a:t>
+                </a:r>
+                <a:endParaRPr lang="en-US" b="1" dirty="0"/>
+              </a:p>
+            </p:txBody>
+          </p:sp>
+          <p:sp>
+            <p:nvSpPr>
+              <p:cNvPr id="15" name="TextBox 14">
+                <a:extLst>
+                  <a:ext uri="{FF2B5EF4-FFF2-40B4-BE49-F238E27FC236}">
+                    <a16:creationId xmlns:a16="http://schemas.microsoft.com/office/drawing/2014/main" id="{C0C56905-87D9-4200-A52E-39B29979EA22}"/>
+                  </a:ext>
+                </a:extLst>
+              </p:cNvPr>
+              <p:cNvSpPr txBox="1"/>
+              <p:nvPr/>
+            </p:nvSpPr>
+            <p:spPr>
+              <a:xfrm>
+                <a:off x="4891364" y="3428621"/>
+                <a:ext cx="394855" cy="584775"/>
+              </a:xfrm>
+              <a:prstGeom prst="rect">
+                <a:avLst/>
+              </a:prstGeom>
+              <a:noFill/>
+            </p:spPr>
+            <p:txBody>
+              <a:bodyPr wrap="square" rtlCol="0">
+                <a:spAutoFit/>
+              </a:bodyPr>
+              <a:lstStyle/>
+              <a:p>
+                <a:r>
+                  <a:rPr lang="en-US" sz="3200" b="1" dirty="0"/>
+                  <a:t>D</a:t>
+                </a:r>
+                <a:endParaRPr lang="en-US" b="1" dirty="0"/>
+              </a:p>
+            </p:txBody>
+          </p:sp>
+        </p:grpSp>
+        <p:sp>
+          <p:nvSpPr>
+            <p:cNvPr id="2" name="Rectangle 1">
+              <a:extLst>
+                <a:ext uri="{FF2B5EF4-FFF2-40B4-BE49-F238E27FC236}">
+                  <a16:creationId xmlns:a16="http://schemas.microsoft.com/office/drawing/2014/main" id="{299C4B5D-3831-4EAE-8950-1D12FF2E3074}"/>
+                </a:ext>
+              </a:extLst>
+            </p:cNvPr>
+            <p:cNvSpPr/>
+            <p:nvPr/>
+          </p:nvSpPr>
           <p:spPr>
             <a:xfrm>
-              <a:off x="5217658" y="363818"/>
-              <a:ext cx="4168797" cy="3126598"/>
+              <a:off x="3191608" y="6284969"/>
+              <a:ext cx="351693" cy="184666"/>
             </a:xfrm>
             <a:prstGeom prst="rect">
               <a:avLst/>
             </a:prstGeom>
+            <a:solidFill>
+              <a:schemeClr val="bg1"/>
+            </a:solidFill>
+            <a:ln>
+              <a:solidFill>
+                <a:schemeClr val="bg1"/>
+              </a:solidFill>
+            </a:ln>
           </p:spPr>
-        </p:pic>
-        <p:pic>
-          <p:nvPicPr>
-            <p:cNvPr id="7" name="Picture 6" descr="A close up of a map&#10;&#10;Description automatically generated">
+          <p:style>
+            <a:lnRef idx="2">
+              <a:schemeClr val="accent1">
+                <a:shade val="50000"/>
+              </a:schemeClr>
+            </a:lnRef>
+            <a:fillRef idx="1">
+              <a:schemeClr val="accent1"/>
+            </a:fillRef>
+            <a:effectRef idx="0">
+              <a:schemeClr val="accent1"/>
+            </a:effectRef>
+            <a:fontRef idx="minor">
+              <a:schemeClr val="lt1"/>
+            </a:fontRef>
+          </p:style>
+          <p:txBody>
+            <a:bodyPr rtlCol="0" anchor="ctr"/>
+            <a:lstStyle/>
+            <a:p>
+              <a:pPr algn="ctr"/>
+              <a:endParaRPr lang="en-US"/>
+            </a:p>
+          </p:txBody>
+        </p:sp>
+        <p:sp>
+          <p:nvSpPr>
+            <p:cNvPr id="19" name="Rectangle 18">
               <a:extLst>
                 <a:ext uri="{FF2B5EF4-FFF2-40B4-BE49-F238E27FC236}">
-                  <a16:creationId xmlns:a16="http://schemas.microsoft.com/office/drawing/2014/main" id="{2D923782-6ED3-4E08-992A-974A4887C658}"/>
+                  <a16:creationId xmlns:a16="http://schemas.microsoft.com/office/drawing/2014/main" id="{C0E22055-13A1-436A-8207-F57800351C8A}"/>
                 </a:ext>
               </a:extLst>
             </p:cNvPr>
-            <p:cNvPicPr>
-              <a:picLocks noChangeAspect="1"/>
-            </p:cNvPicPr>
+            <p:cNvSpPr/>
             <p:nvPr/>
-          </p:nvPicPr>
-          <p:blipFill>
-            <a:blip r:embed="rId3">
-              <a:extLst>
-                <a:ext uri="{28A0092B-C50C-407E-A947-70E740481C1C}">
-                  <a14:useLocalDpi xmlns:a14="http://schemas.microsoft.com/office/drawing/2010/main" val="0"/>
-                </a:ext>
-              </a:extLst>
-            </a:blip>
-            <a:stretch>
-              <a:fillRect/>
-            </a:stretch>
-          </p:blipFill>
+          </p:nvSpPr>
           <p:spPr>
             <a:xfrm>
-              <a:off x="791128" y="363819"/>
-              <a:ext cx="4168796" cy="3126597"/>
+              <a:off x="3200400" y="3002828"/>
+              <a:ext cx="351693" cy="184666"/>
             </a:xfrm>
             <a:prstGeom prst="rect">
               <a:avLst/>
             </a:prstGeom>
+            <a:solidFill>
+              <a:schemeClr val="bg1"/>
+            </a:solidFill>
+            <a:ln>
+              <a:solidFill>
+                <a:schemeClr val="bg1"/>
+              </a:solidFill>
+            </a:ln>
           </p:spPr>
-        </p:pic>
-        <p:pic>
-          <p:nvPicPr>
-            <p:cNvPr id="9" name="Picture 8" descr="A close up of a map&#10;&#10;Description automatically generated">
+          <p:style>
+            <a:lnRef idx="2">
+              <a:schemeClr val="accent1">
+                <a:shade val="50000"/>
+              </a:schemeClr>
+            </a:lnRef>
+            <a:fillRef idx="1">
+              <a:schemeClr val="accent1"/>
+            </a:fillRef>
+            <a:effectRef idx="0">
+              <a:schemeClr val="accent1"/>
+            </a:effectRef>
+            <a:fontRef idx="minor">
+              <a:schemeClr val="lt1"/>
+            </a:fontRef>
+          </p:style>
+          <p:txBody>
+            <a:bodyPr rtlCol="0" anchor="ctr"/>
+            <a:lstStyle/>
+            <a:p>
+              <a:pPr algn="ctr"/>
+              <a:endParaRPr lang="en-US"/>
+            </a:p>
+          </p:txBody>
+        </p:sp>
+        <p:sp>
+          <p:nvSpPr>
+            <p:cNvPr id="20" name="Rectangle 19">
               <a:extLst>
                 <a:ext uri="{FF2B5EF4-FFF2-40B4-BE49-F238E27FC236}">
-                  <a16:creationId xmlns:a16="http://schemas.microsoft.com/office/drawing/2014/main" id="{3FE4491A-9D30-4CCA-AD27-BF4904F54108}"/>
+                  <a16:creationId xmlns:a16="http://schemas.microsoft.com/office/drawing/2014/main" id="{29E02E08-69ED-4DE0-9858-AE80BC91CB94}"/>
                 </a:ext>
               </a:extLst>
             </p:cNvPr>
-            <p:cNvPicPr>
-              <a:picLocks noChangeAspect="1"/>
-            </p:cNvPicPr>
+            <p:cNvSpPr/>
             <p:nvPr/>
-          </p:nvPicPr>
-          <p:blipFill>
-            <a:blip r:embed="rId4">
-              <a:extLst>
-                <a:ext uri="{28A0092B-C50C-407E-A947-70E740481C1C}">
-                  <a14:useLocalDpi xmlns:a14="http://schemas.microsoft.com/office/drawing/2010/main" val="0"/>
-                </a:ext>
-              </a:extLst>
-            </a:blip>
-            <a:stretch>
-              <a:fillRect/>
-            </a:stretch>
-          </p:blipFill>
+          </p:nvSpPr>
           <p:spPr>
             <a:xfrm>
-              <a:off x="791128" y="3634422"/>
-              <a:ext cx="4168796" cy="3126597"/>
+              <a:off x="7618130" y="3002828"/>
+              <a:ext cx="351693" cy="184666"/>
             </a:xfrm>
             <a:prstGeom prst="rect">
               <a:avLst/>
             </a:prstGeom>
+            <a:solidFill>
+              <a:schemeClr val="bg1"/>
+            </a:solidFill>
+            <a:ln>
+              <a:solidFill>
+                <a:schemeClr val="bg1"/>
+              </a:solidFill>
+            </a:ln>
           </p:spPr>
-        </p:pic>
-        <p:pic>
-          <p:nvPicPr>
-            <p:cNvPr id="10" name="Picture 20">
+          <p:style>
+            <a:lnRef idx="2">
+              <a:schemeClr val="accent1">
+                <a:shade val="50000"/>
+              </a:schemeClr>
+            </a:lnRef>
+            <a:fillRef idx="1">
+              <a:schemeClr val="accent1"/>
+            </a:fillRef>
+            <a:effectRef idx="0">
+              <a:schemeClr val="accent1"/>
+            </a:effectRef>
+            <a:fontRef idx="minor">
+              <a:schemeClr val="lt1"/>
+            </a:fontRef>
+          </p:style>
+          <p:txBody>
+            <a:bodyPr rtlCol="0" anchor="ctr"/>
+            <a:lstStyle/>
+            <a:p>
+              <a:pPr algn="ctr"/>
+              <a:endParaRPr lang="en-US"/>
+            </a:p>
+          </p:txBody>
+        </p:sp>
+        <p:sp>
+          <p:nvSpPr>
+            <p:cNvPr id="22" name="TextBox 21">
               <a:extLst>
                 <a:ext uri="{FF2B5EF4-FFF2-40B4-BE49-F238E27FC236}">
-                  <a16:creationId xmlns:a16="http://schemas.microsoft.com/office/drawing/2014/main" id="{E2AA87DC-D73F-419B-8202-B360F48D6F64}"/>
-                </a:ext>
-              </a:extLst>
-            </p:cNvPr>
-            <p:cNvPicPr>
-              <a:picLocks noChangeAspect="1" noChangeArrowheads="1"/>
-            </p:cNvPicPr>
-            <p:nvPr/>
-          </p:nvPicPr>
-          <p:blipFill rotWithShape="1">
-            <a:blip r:embed="rId5">
-              <a:extLst>
-                <a:ext uri="{28A0092B-C50C-407E-A947-70E740481C1C}">
-                  <a14:useLocalDpi xmlns:a14="http://schemas.microsoft.com/office/drawing/2010/main" val="0"/>
-                </a:ext>
-              </a:extLst>
-            </a:blip>
-            <a:srcRect l="52089" t="4346"/>
-            <a:stretch/>
-          </p:blipFill>
-          <p:spPr bwMode="auto">
-            <a:xfrm>
-              <a:off x="5399127" y="3721010"/>
-              <a:ext cx="3665902" cy="2922245"/>
-            </a:xfrm>
-            <a:prstGeom prst="rect">
-              <a:avLst/>
-            </a:prstGeom>
-            <a:noFill/>
-            <a:extLst>
-              <a:ext uri="{909E8E84-426E-40DD-AFC4-6F175D3DCCD1}">
-                <a14:hiddenFill xmlns:a14="http://schemas.microsoft.com/office/drawing/2010/main">
-                  <a:solidFill>
-                    <a:srgbClr val="FFFFFF"/>
-                  </a:solidFill>
-                </a14:hiddenFill>
-              </a:ext>
-            </a:extLst>
-          </p:spPr>
-        </p:pic>
-        <p:sp>
-          <p:nvSpPr>
-            <p:cNvPr id="11" name="TextBox 10">
-              <a:extLst>
-                <a:ext uri="{FF2B5EF4-FFF2-40B4-BE49-F238E27FC236}">
-                  <a16:creationId xmlns:a16="http://schemas.microsoft.com/office/drawing/2014/main" id="{6E37EABB-5B26-4854-B031-C89B4519A57F}"/>
+                  <a16:creationId xmlns:a16="http://schemas.microsoft.com/office/drawing/2014/main" id="{F09EEB78-9177-4C1A-9C36-3FA2A451D7BE}"/>
                 </a:ext>
               </a:extLst>
             </p:cNvPr>
@@ -4277,8 +4654,8 @@
           </p:nvSpPr>
           <p:spPr>
             <a:xfrm>
-              <a:off x="7015633" y="3567121"/>
-              <a:ext cx="744661" cy="307777"/>
+              <a:off x="3035230" y="6223413"/>
+              <a:ext cx="664448" cy="307777"/>
             </a:xfrm>
             <a:prstGeom prst="rect">
               <a:avLst/>
@@ -4293,29 +4670,19 @@
             <a:p>
               <a:pPr algn="ctr"/>
               <a:r>
-                <a:rPr lang="en-US" sz="1400" b="1" dirty="0">
-                  <a:solidFill>
-                    <a:prstClr val="black"/>
-                  </a:solidFill>
-                  <a:cs typeface="Calibri" panose="020F0502020204030204" pitchFamily="34" charset="0"/>
-                </a:rPr>
-                <a:t>FOF</a:t>
+                <a:rPr lang="zh-CN" altLang="en-US" sz="1400" dirty="0"/>
+                <a:t>频率</a:t>
               </a:r>
-              <a:endParaRPr lang="en-US" sz="1600" b="1" dirty="0">
-                <a:solidFill>
-                  <a:prstClr val="black"/>
-                </a:solidFill>
-                <a:cs typeface="Calibri" panose="020F0502020204030204" pitchFamily="34" charset="0"/>
-              </a:endParaRPr>
+              <a:endParaRPr lang="en-US" sz="1400" dirty="0"/>
             </a:p>
           </p:txBody>
         </p:sp>
         <p:sp>
           <p:nvSpPr>
-            <p:cNvPr id="12" name="TextBox 11">
+            <p:cNvPr id="24" name="TextBox 23">
               <a:extLst>
                 <a:ext uri="{FF2B5EF4-FFF2-40B4-BE49-F238E27FC236}">
-                  <a16:creationId xmlns:a16="http://schemas.microsoft.com/office/drawing/2014/main" id="{9108BC7B-0386-40EC-9B1C-08A058E37290}"/>
+                  <a16:creationId xmlns:a16="http://schemas.microsoft.com/office/drawing/2014/main" id="{A636A0BE-7C2A-4AE1-8EB7-F47E6A1956A8}"/>
                 </a:ext>
               </a:extLst>
             </p:cNvPr>
@@ -4324,8 +4691,8 @@
           </p:nvSpPr>
           <p:spPr>
             <a:xfrm>
-              <a:off x="617240" y="219812"/>
-              <a:ext cx="394855" cy="584775"/>
+              <a:off x="7461752" y="2967960"/>
+              <a:ext cx="664448" cy="307777"/>
             </a:xfrm>
             <a:prstGeom prst="rect">
               <a:avLst/>
@@ -4338,20 +4705,21 @@
             </a:bodyPr>
             <a:lstStyle/>
             <a:p>
+              <a:pPr algn="ctr"/>
               <a:r>
-                <a:rPr lang="en-US" sz="3200" b="1" dirty="0"/>
-                <a:t>A</a:t>
+                <a:rPr lang="zh-CN" altLang="en-US" sz="1400" dirty="0"/>
+                <a:t>频率</a:t>
               </a:r>
-              <a:endParaRPr lang="en-US" b="1" dirty="0"/>
+              <a:endParaRPr lang="en-US" sz="1400" dirty="0"/>
             </a:p>
           </p:txBody>
         </p:sp>
         <p:sp>
           <p:nvSpPr>
-            <p:cNvPr id="13" name="TextBox 12">
+            <p:cNvPr id="25" name="TextBox 24">
               <a:extLst>
                 <a:ext uri="{FF2B5EF4-FFF2-40B4-BE49-F238E27FC236}">
-                  <a16:creationId xmlns:a16="http://schemas.microsoft.com/office/drawing/2014/main" id="{97B0DAF8-2FCE-4180-BD33-3BDA82ABF9D7}"/>
+                  <a16:creationId xmlns:a16="http://schemas.microsoft.com/office/drawing/2014/main" id="{F3918DF8-CFDA-49D2-8B88-71DF7B08F104}"/>
                 </a:ext>
               </a:extLst>
             </p:cNvPr>
@@ -4360,8 +4728,8 @@
           </p:nvSpPr>
           <p:spPr>
             <a:xfrm>
-              <a:off x="4891364" y="223412"/>
-              <a:ext cx="394855" cy="584775"/>
+              <a:off x="3035230" y="2967960"/>
+              <a:ext cx="664448" cy="307777"/>
             </a:xfrm>
             <a:prstGeom prst="rect">
               <a:avLst/>
@@ -4374,20 +4742,75 @@
             </a:bodyPr>
             <a:lstStyle/>
             <a:p>
+              <a:pPr algn="ctr"/>
               <a:r>
-                <a:rPr lang="en-US" sz="3200" b="1" dirty="0"/>
-                <a:t>B</a:t>
+                <a:rPr lang="zh-CN" altLang="en-US" sz="1400" dirty="0"/>
+                <a:t>频率</a:t>
               </a:r>
-              <a:endParaRPr lang="en-US" b="1" dirty="0"/>
+              <a:endParaRPr lang="en-US" sz="1400" dirty="0"/>
             </a:p>
           </p:txBody>
         </p:sp>
         <p:sp>
           <p:nvSpPr>
-            <p:cNvPr id="14" name="TextBox 13">
+            <p:cNvPr id="4" name="Rectangle 3">
               <a:extLst>
                 <a:ext uri="{FF2B5EF4-FFF2-40B4-BE49-F238E27FC236}">
-                  <a16:creationId xmlns:a16="http://schemas.microsoft.com/office/drawing/2014/main" id="{2285B206-8ACC-4FF0-8E0E-87CC4A90B96D}"/>
+                  <a16:creationId xmlns:a16="http://schemas.microsoft.com/office/drawing/2014/main" id="{A9963BC1-15EB-457A-931C-CD6136286ED3}"/>
+                </a:ext>
+              </a:extLst>
+            </p:cNvPr>
+            <p:cNvSpPr/>
+            <p:nvPr/>
+          </p:nvSpPr>
+          <p:spPr>
+            <a:xfrm>
+              <a:off x="1403485" y="1125415"/>
+              <a:ext cx="311015" cy="1485900"/>
+            </a:xfrm>
+            <a:prstGeom prst="rect">
+              <a:avLst/>
+            </a:prstGeom>
+            <a:solidFill>
+              <a:schemeClr val="bg1"/>
+            </a:solidFill>
+            <a:ln>
+              <a:solidFill>
+                <a:schemeClr val="bg1"/>
+              </a:solidFill>
+            </a:ln>
+          </p:spPr>
+          <p:style>
+            <a:lnRef idx="2">
+              <a:schemeClr val="accent1">
+                <a:shade val="50000"/>
+              </a:schemeClr>
+            </a:lnRef>
+            <a:fillRef idx="1">
+              <a:schemeClr val="accent1"/>
+            </a:fillRef>
+            <a:effectRef idx="0">
+              <a:schemeClr val="accent1"/>
+            </a:effectRef>
+            <a:fontRef idx="minor">
+              <a:schemeClr val="lt1"/>
+            </a:fontRef>
+          </p:style>
+          <p:txBody>
+            <a:bodyPr rtlCol="0" anchor="ctr"/>
+            <a:lstStyle/>
+            <a:p>
+              <a:pPr algn="ctr"/>
+              <a:endParaRPr lang="en-US"/>
+            </a:p>
+          </p:txBody>
+        </p:sp>
+        <p:sp>
+          <p:nvSpPr>
+            <p:cNvPr id="6" name="TextBox 5">
+              <a:extLst>
+                <a:ext uri="{FF2B5EF4-FFF2-40B4-BE49-F238E27FC236}">
+                  <a16:creationId xmlns:a16="http://schemas.microsoft.com/office/drawing/2014/main" id="{C5B1C306-8898-4B15-AF73-486BF3C28501}"/>
                 </a:ext>
               </a:extLst>
             </p:cNvPr>
@@ -4396,8 +4819,45 @@
           </p:nvSpPr>
           <p:spPr>
             <a:xfrm>
-              <a:off x="617240" y="3490416"/>
-              <a:ext cx="394855" cy="584775"/>
+              <a:off x="1371867" y="1313234"/>
+              <a:ext cx="400110" cy="1209197"/>
+            </a:xfrm>
+            <a:prstGeom prst="rect">
+              <a:avLst/>
+            </a:prstGeom>
+            <a:noFill/>
+          </p:spPr>
+          <p:txBody>
+            <a:bodyPr vert="eaVert" wrap="square" rtlCol="0">
+              <a:spAutoFit/>
+            </a:bodyPr>
+            <a:lstStyle/>
+            <a:p>
+              <a:pPr algn="ctr"/>
+              <a:r>
+                <a:rPr lang="zh-CN" altLang="en-US" sz="1400" dirty="0"/>
+                <a:t>尺度的功率谱</a:t>
+              </a:r>
+              <a:endParaRPr lang="en-US" sz="1400" dirty="0"/>
+            </a:p>
+          </p:txBody>
+        </p:sp>
+        <p:sp>
+          <p:nvSpPr>
+            <p:cNvPr id="8" name="TextBox 7">
+              <a:extLst>
+                <a:ext uri="{FF2B5EF4-FFF2-40B4-BE49-F238E27FC236}">
+                  <a16:creationId xmlns:a16="http://schemas.microsoft.com/office/drawing/2014/main" id="{DDCC788D-7360-4671-A7A4-449FA028C318}"/>
+                </a:ext>
+              </a:extLst>
+            </p:cNvPr>
+            <p:cNvSpPr txBox="1"/>
+            <p:nvPr/>
+          </p:nvSpPr>
+          <p:spPr>
+            <a:xfrm>
+              <a:off x="1355268" y="1125415"/>
+              <a:ext cx="451878" cy="307777"/>
             </a:xfrm>
             <a:prstGeom prst="rect">
               <a:avLst/>
@@ -4410,20 +4870,75 @@
             </a:bodyPr>
             <a:lstStyle/>
             <a:p>
+              <a:pPr algn="ctr"/>
               <a:r>
-                <a:rPr lang="en-US" sz="3200" b="1" dirty="0"/>
-                <a:t>C</a:t>
+                <a:rPr lang="en-US" altLang="zh-CN" sz="1400" dirty="0"/>
+                <a:t>Log</a:t>
               </a:r>
-              <a:endParaRPr lang="en-US" b="1" dirty="0"/>
+              <a:endParaRPr lang="en-US" sz="1400" dirty="0"/>
             </a:p>
           </p:txBody>
         </p:sp>
         <p:sp>
           <p:nvSpPr>
-            <p:cNvPr id="15" name="TextBox 14">
+            <p:cNvPr id="26" name="Rectangle 25">
               <a:extLst>
                 <a:ext uri="{FF2B5EF4-FFF2-40B4-BE49-F238E27FC236}">
-                  <a16:creationId xmlns:a16="http://schemas.microsoft.com/office/drawing/2014/main" id="{C0C56905-87D9-4200-A52E-39B29979EA22}"/>
+                  <a16:creationId xmlns:a16="http://schemas.microsoft.com/office/drawing/2014/main" id="{7F7C182E-E32D-49A5-A6FE-626EB21A54C7}"/>
+                </a:ext>
+              </a:extLst>
+            </p:cNvPr>
+            <p:cNvSpPr/>
+            <p:nvPr/>
+          </p:nvSpPr>
+          <p:spPr>
+            <a:xfrm>
+              <a:off x="5875037" y="1125415"/>
+              <a:ext cx="297163" cy="1485900"/>
+            </a:xfrm>
+            <a:prstGeom prst="rect">
+              <a:avLst/>
+            </a:prstGeom>
+            <a:solidFill>
+              <a:schemeClr val="bg1"/>
+            </a:solidFill>
+            <a:ln>
+              <a:solidFill>
+                <a:schemeClr val="bg1"/>
+              </a:solidFill>
+            </a:ln>
+          </p:spPr>
+          <p:style>
+            <a:lnRef idx="2">
+              <a:schemeClr val="accent1">
+                <a:shade val="50000"/>
+              </a:schemeClr>
+            </a:lnRef>
+            <a:fillRef idx="1">
+              <a:schemeClr val="accent1"/>
+            </a:fillRef>
+            <a:effectRef idx="0">
+              <a:schemeClr val="accent1"/>
+            </a:effectRef>
+            <a:fontRef idx="minor">
+              <a:schemeClr val="lt1"/>
+            </a:fontRef>
+          </p:style>
+          <p:txBody>
+            <a:bodyPr rtlCol="0" anchor="ctr"/>
+            <a:lstStyle/>
+            <a:p>
+              <a:pPr algn="ctr"/>
+              <a:endParaRPr lang="en-US"/>
+            </a:p>
+          </p:txBody>
+        </p:sp>
+        <p:sp>
+          <p:nvSpPr>
+            <p:cNvPr id="27" name="TextBox 26">
+              <a:extLst>
+                <a:ext uri="{FF2B5EF4-FFF2-40B4-BE49-F238E27FC236}">
+                  <a16:creationId xmlns:a16="http://schemas.microsoft.com/office/drawing/2014/main" id="{48692DD6-1089-4AED-9D50-992A8B2524CA}"/>
                 </a:ext>
               </a:extLst>
             </p:cNvPr>
@@ -4432,8 +4947,45 @@
           </p:nvSpPr>
           <p:spPr>
             <a:xfrm>
-              <a:off x="4891364" y="3428621"/>
-              <a:ext cx="394855" cy="584775"/>
+              <a:off x="5806476" y="1313234"/>
+              <a:ext cx="400110" cy="1209197"/>
+            </a:xfrm>
+            <a:prstGeom prst="rect">
+              <a:avLst/>
+            </a:prstGeom>
+            <a:noFill/>
+          </p:spPr>
+          <p:txBody>
+            <a:bodyPr vert="eaVert" wrap="square" rtlCol="0">
+              <a:spAutoFit/>
+            </a:bodyPr>
+            <a:lstStyle/>
+            <a:p>
+              <a:pPr algn="ctr"/>
+              <a:r>
+                <a:rPr lang="zh-CN" altLang="en-US" sz="1400" dirty="0"/>
+                <a:t>尺度的功率谱</a:t>
+              </a:r>
+              <a:endParaRPr lang="en-US" sz="1400" dirty="0"/>
+            </a:p>
+          </p:txBody>
+        </p:sp>
+        <p:sp>
+          <p:nvSpPr>
+            <p:cNvPr id="28" name="TextBox 27">
+              <a:extLst>
+                <a:ext uri="{FF2B5EF4-FFF2-40B4-BE49-F238E27FC236}">
+                  <a16:creationId xmlns:a16="http://schemas.microsoft.com/office/drawing/2014/main" id="{DC9ABE04-BE5D-4466-AC8F-9B73D8894EC3}"/>
+                </a:ext>
+              </a:extLst>
+            </p:cNvPr>
+            <p:cNvSpPr txBox="1"/>
+            <p:nvPr/>
+          </p:nvSpPr>
+          <p:spPr>
+            <a:xfrm>
+              <a:off x="5789877" y="1125415"/>
+              <a:ext cx="451878" cy="307777"/>
             </a:xfrm>
             <a:prstGeom prst="rect">
               <a:avLst/>
@@ -4446,9 +4998,411 @@
             </a:bodyPr>
             <a:lstStyle/>
             <a:p>
+              <a:pPr algn="ctr"/>
               <a:r>
-                <a:rPr lang="en-US" sz="3200" b="1" dirty="0"/>
-                <a:t>D</a:t>
+                <a:rPr lang="en-US" altLang="zh-CN" sz="1400" dirty="0"/>
+                <a:t>Log</a:t>
+              </a:r>
+              <a:endParaRPr lang="en-US" sz="1400" dirty="0"/>
+            </a:p>
+          </p:txBody>
+        </p:sp>
+        <p:sp>
+          <p:nvSpPr>
+            <p:cNvPr id="29" name="Rectangle 28">
+              <a:extLst>
+                <a:ext uri="{FF2B5EF4-FFF2-40B4-BE49-F238E27FC236}">
+                  <a16:creationId xmlns:a16="http://schemas.microsoft.com/office/drawing/2014/main" id="{75100516-46BB-4DBA-865F-B45BF51D2754}"/>
+                </a:ext>
+              </a:extLst>
+            </p:cNvPr>
+            <p:cNvSpPr/>
+            <p:nvPr/>
+          </p:nvSpPr>
+          <p:spPr>
+            <a:xfrm>
+              <a:off x="1403485" y="4396154"/>
+              <a:ext cx="311015" cy="1488707"/>
+            </a:xfrm>
+            <a:prstGeom prst="rect">
+              <a:avLst/>
+            </a:prstGeom>
+            <a:solidFill>
+              <a:schemeClr val="bg1"/>
+            </a:solidFill>
+            <a:ln>
+              <a:solidFill>
+                <a:schemeClr val="bg1"/>
+              </a:solidFill>
+            </a:ln>
+          </p:spPr>
+          <p:style>
+            <a:lnRef idx="2">
+              <a:schemeClr val="accent1">
+                <a:shade val="50000"/>
+              </a:schemeClr>
+            </a:lnRef>
+            <a:fillRef idx="1">
+              <a:schemeClr val="accent1"/>
+            </a:fillRef>
+            <a:effectRef idx="0">
+              <a:schemeClr val="accent1"/>
+            </a:effectRef>
+            <a:fontRef idx="minor">
+              <a:schemeClr val="lt1"/>
+            </a:fontRef>
+          </p:style>
+          <p:txBody>
+            <a:bodyPr rtlCol="0" anchor="ctr"/>
+            <a:lstStyle/>
+            <a:p>
+              <a:pPr algn="ctr"/>
+              <a:endParaRPr lang="en-US"/>
+            </a:p>
+          </p:txBody>
+        </p:sp>
+        <p:sp>
+          <p:nvSpPr>
+            <p:cNvPr id="30" name="TextBox 29">
+              <a:extLst>
+                <a:ext uri="{FF2B5EF4-FFF2-40B4-BE49-F238E27FC236}">
+                  <a16:creationId xmlns:a16="http://schemas.microsoft.com/office/drawing/2014/main" id="{8FF7428B-CE77-4C19-8EE8-537AB4584DA1}"/>
+                </a:ext>
+              </a:extLst>
+            </p:cNvPr>
+            <p:cNvSpPr txBox="1"/>
+            <p:nvPr/>
+          </p:nvSpPr>
+          <p:spPr>
+            <a:xfrm>
+              <a:off x="1371867" y="4486852"/>
+              <a:ext cx="400110" cy="1209197"/>
+            </a:xfrm>
+            <a:prstGeom prst="rect">
+              <a:avLst/>
+            </a:prstGeom>
+            <a:noFill/>
+          </p:spPr>
+          <p:txBody>
+            <a:bodyPr vert="eaVert" wrap="square" rtlCol="0">
+              <a:spAutoFit/>
+            </a:bodyPr>
+            <a:lstStyle/>
+            <a:p>
+              <a:pPr algn="ctr"/>
+              <a:r>
+                <a:rPr lang="zh-CN" altLang="en-US" sz="1400" dirty="0"/>
+                <a:t>尺度的功率谱</a:t>
+              </a:r>
+              <a:endParaRPr lang="en-US" sz="1400" dirty="0"/>
+            </a:p>
+          </p:txBody>
+        </p:sp>
+        <p:sp>
+          <p:nvSpPr>
+            <p:cNvPr id="31" name="TextBox 30">
+              <a:extLst>
+                <a:ext uri="{FF2B5EF4-FFF2-40B4-BE49-F238E27FC236}">
+                  <a16:creationId xmlns:a16="http://schemas.microsoft.com/office/drawing/2014/main" id="{070AA534-8249-4E7D-BA50-CCD0F347CF9C}"/>
+                </a:ext>
+              </a:extLst>
+            </p:cNvPr>
+            <p:cNvSpPr txBox="1"/>
+            <p:nvPr/>
+          </p:nvSpPr>
+          <p:spPr>
+            <a:xfrm>
+              <a:off x="1355268" y="4299033"/>
+              <a:ext cx="451878" cy="307777"/>
+            </a:xfrm>
+            <a:prstGeom prst="rect">
+              <a:avLst/>
+            </a:prstGeom>
+            <a:noFill/>
+          </p:spPr>
+          <p:txBody>
+            <a:bodyPr wrap="square" rtlCol="0">
+              <a:spAutoFit/>
+            </a:bodyPr>
+            <a:lstStyle/>
+            <a:p>
+              <a:pPr algn="ctr"/>
+              <a:r>
+                <a:rPr lang="en-US" altLang="zh-CN" sz="1400" dirty="0"/>
+                <a:t>Log</a:t>
+              </a:r>
+              <a:endParaRPr lang="en-US" sz="1400" dirty="0"/>
+            </a:p>
+          </p:txBody>
+        </p:sp>
+        <p:sp>
+          <p:nvSpPr>
+            <p:cNvPr id="32" name="Rectangle 31">
+              <a:extLst>
+                <a:ext uri="{FF2B5EF4-FFF2-40B4-BE49-F238E27FC236}">
+                  <a16:creationId xmlns:a16="http://schemas.microsoft.com/office/drawing/2014/main" id="{E900D9AD-2F92-4442-ADAD-F376E3F42C37}"/>
+                </a:ext>
+              </a:extLst>
+            </p:cNvPr>
+            <p:cNvSpPr/>
+            <p:nvPr/>
+          </p:nvSpPr>
+          <p:spPr>
+            <a:xfrm>
+              <a:off x="2819400" y="34334"/>
+              <a:ext cx="1381125" cy="254376"/>
+            </a:xfrm>
+            <a:prstGeom prst="rect">
+              <a:avLst/>
+            </a:prstGeom>
+            <a:solidFill>
+              <a:schemeClr val="bg1"/>
+            </a:solidFill>
+            <a:ln>
+              <a:solidFill>
+                <a:schemeClr val="bg1"/>
+              </a:solidFill>
+            </a:ln>
+          </p:spPr>
+          <p:style>
+            <a:lnRef idx="2">
+              <a:schemeClr val="accent1">
+                <a:shade val="50000"/>
+              </a:schemeClr>
+            </a:lnRef>
+            <a:fillRef idx="1">
+              <a:schemeClr val="accent1"/>
+            </a:fillRef>
+            <a:effectRef idx="0">
+              <a:schemeClr val="accent1"/>
+            </a:effectRef>
+            <a:fontRef idx="minor">
+              <a:schemeClr val="lt1"/>
+            </a:fontRef>
+          </p:style>
+          <p:txBody>
+            <a:bodyPr rtlCol="0" anchor="ctr"/>
+            <a:lstStyle/>
+            <a:p>
+              <a:pPr algn="ctr"/>
+              <a:endParaRPr lang="en-US"/>
+            </a:p>
+          </p:txBody>
+        </p:sp>
+        <p:sp>
+          <p:nvSpPr>
+            <p:cNvPr id="33" name="TextBox 32">
+              <a:extLst>
+                <a:ext uri="{FF2B5EF4-FFF2-40B4-BE49-F238E27FC236}">
+                  <a16:creationId xmlns:a16="http://schemas.microsoft.com/office/drawing/2014/main" id="{D717BC66-67D1-4D78-AD43-8D0922CDA11E}"/>
+                </a:ext>
+              </a:extLst>
+            </p:cNvPr>
+            <p:cNvSpPr txBox="1"/>
+            <p:nvPr/>
+          </p:nvSpPr>
+          <p:spPr>
+            <a:xfrm>
+              <a:off x="2664244" y="52936"/>
+              <a:ext cx="1600200" cy="307777"/>
+            </a:xfrm>
+            <a:prstGeom prst="rect">
+              <a:avLst/>
+            </a:prstGeom>
+            <a:noFill/>
+          </p:spPr>
+          <p:txBody>
+            <a:bodyPr wrap="square" rtlCol="0">
+              <a:spAutoFit/>
+            </a:bodyPr>
+            <a:lstStyle/>
+            <a:p>
+              <a:pPr algn="ctr"/>
+              <a:r>
+                <a:rPr lang="zh-CN" altLang="en-US" sz="1400" b="1" dirty="0"/>
+                <a:t>全模型拟合</a:t>
+              </a:r>
+              <a:endParaRPr lang="en-US" b="1" dirty="0"/>
+            </a:p>
+          </p:txBody>
+        </p:sp>
+        <p:sp>
+          <p:nvSpPr>
+            <p:cNvPr id="34" name="Rectangle 33">
+              <a:extLst>
+                <a:ext uri="{FF2B5EF4-FFF2-40B4-BE49-F238E27FC236}">
+                  <a16:creationId xmlns:a16="http://schemas.microsoft.com/office/drawing/2014/main" id="{3624AD3C-035B-48F5-A540-E4078C02BA9D}"/>
+                </a:ext>
+              </a:extLst>
+            </p:cNvPr>
+            <p:cNvSpPr/>
+            <p:nvPr/>
+          </p:nvSpPr>
+          <p:spPr>
+            <a:xfrm>
+              <a:off x="7239000" y="72434"/>
+              <a:ext cx="1419225" cy="216276"/>
+            </a:xfrm>
+            <a:prstGeom prst="rect">
+              <a:avLst/>
+            </a:prstGeom>
+            <a:solidFill>
+              <a:schemeClr val="bg1"/>
+            </a:solidFill>
+            <a:ln>
+              <a:solidFill>
+                <a:schemeClr val="bg1"/>
+              </a:solidFill>
+            </a:ln>
+          </p:spPr>
+          <p:style>
+            <a:lnRef idx="2">
+              <a:schemeClr val="accent1">
+                <a:shade val="50000"/>
+              </a:schemeClr>
+            </a:lnRef>
+            <a:fillRef idx="1">
+              <a:schemeClr val="accent1"/>
+            </a:fillRef>
+            <a:effectRef idx="0">
+              <a:schemeClr val="accent1"/>
+            </a:effectRef>
+            <a:fontRef idx="minor">
+              <a:schemeClr val="lt1"/>
+            </a:fontRef>
+          </p:style>
+          <p:txBody>
+            <a:bodyPr rtlCol="0" anchor="ctr"/>
+            <a:lstStyle/>
+            <a:p>
+              <a:pPr algn="ctr"/>
+              <a:endParaRPr lang="en-US"/>
+            </a:p>
+          </p:txBody>
+        </p:sp>
+        <p:sp>
+          <p:nvSpPr>
+            <p:cNvPr id="35" name="TextBox 34">
+              <a:extLst>
+                <a:ext uri="{FF2B5EF4-FFF2-40B4-BE49-F238E27FC236}">
+                  <a16:creationId xmlns:a16="http://schemas.microsoft.com/office/drawing/2014/main" id="{635E8D1C-0AB1-485C-97A4-E30E1918606F}"/>
+                </a:ext>
+              </a:extLst>
+            </p:cNvPr>
+            <p:cNvSpPr txBox="1"/>
+            <p:nvPr/>
+          </p:nvSpPr>
+          <p:spPr>
+            <a:xfrm>
+              <a:off x="7326100" y="45714"/>
+              <a:ext cx="1600200" cy="307777"/>
+            </a:xfrm>
+            <a:prstGeom prst="rect">
+              <a:avLst/>
+            </a:prstGeom>
+            <a:noFill/>
+          </p:spPr>
+          <p:txBody>
+            <a:bodyPr wrap="square" rtlCol="0">
+              <a:spAutoFit/>
+            </a:bodyPr>
+            <a:lstStyle/>
+            <a:p>
+              <a:pPr algn="ctr"/>
+              <a:r>
+                <a:rPr lang="zh-CN" altLang="en-US" sz="1400" b="1" dirty="0"/>
+                <a:t>背景谱成分拟合</a:t>
+              </a:r>
+              <a:endParaRPr lang="en-US" b="1" dirty="0"/>
+            </a:p>
+          </p:txBody>
+        </p:sp>
+        <p:sp>
+          <p:nvSpPr>
+            <p:cNvPr id="36" name="Rectangle 35">
+              <a:extLst>
+                <a:ext uri="{FF2B5EF4-FFF2-40B4-BE49-F238E27FC236}">
+                  <a16:creationId xmlns:a16="http://schemas.microsoft.com/office/drawing/2014/main" id="{D667C313-0229-4613-8DD9-268C1C0CFEC6}"/>
+                </a:ext>
+              </a:extLst>
+            </p:cNvPr>
+            <p:cNvSpPr/>
+            <p:nvPr/>
+          </p:nvSpPr>
+          <p:spPr>
+            <a:xfrm>
+              <a:off x="3035230" y="3314463"/>
+              <a:ext cx="984320" cy="239226"/>
+            </a:xfrm>
+            <a:prstGeom prst="rect">
+              <a:avLst/>
+            </a:prstGeom>
+            <a:solidFill>
+              <a:schemeClr val="bg1"/>
+            </a:solidFill>
+            <a:ln>
+              <a:solidFill>
+                <a:schemeClr val="bg1"/>
+              </a:solidFill>
+            </a:ln>
+          </p:spPr>
+          <p:style>
+            <a:lnRef idx="2">
+              <a:schemeClr val="accent1">
+                <a:shade val="50000"/>
+              </a:schemeClr>
+            </a:lnRef>
+            <a:fillRef idx="1">
+              <a:schemeClr val="accent1"/>
+            </a:fillRef>
+            <a:effectRef idx="0">
+              <a:schemeClr val="accent1"/>
+            </a:effectRef>
+            <a:fontRef idx="minor">
+              <a:schemeClr val="lt1"/>
+            </a:fontRef>
+          </p:style>
+          <p:txBody>
+            <a:bodyPr rtlCol="0" anchor="ctr"/>
+            <a:lstStyle/>
+            <a:p>
+              <a:pPr algn="ctr"/>
+              <a:endParaRPr lang="en-US"/>
+            </a:p>
+          </p:txBody>
+        </p:sp>
+        <p:sp>
+          <p:nvSpPr>
+            <p:cNvPr id="37" name="TextBox 36">
+              <a:extLst>
+                <a:ext uri="{FF2B5EF4-FFF2-40B4-BE49-F238E27FC236}">
+                  <a16:creationId xmlns:a16="http://schemas.microsoft.com/office/drawing/2014/main" id="{4F9F894D-72DB-49E6-A475-5578DCBFA98F}"/>
+                </a:ext>
+              </a:extLst>
+            </p:cNvPr>
+            <p:cNvSpPr txBox="1"/>
+            <p:nvPr/>
+          </p:nvSpPr>
+          <p:spPr>
+            <a:xfrm>
+              <a:off x="2709862" y="3275111"/>
+              <a:ext cx="1600200" cy="307777"/>
+            </a:xfrm>
+            <a:prstGeom prst="rect">
+              <a:avLst/>
+            </a:prstGeom>
+            <a:noFill/>
+          </p:spPr>
+          <p:txBody>
+            <a:bodyPr wrap="square" rtlCol="0">
+              <a:spAutoFit/>
+            </a:bodyPr>
+            <a:lstStyle/>
+            <a:p>
+              <a:pPr algn="ctr"/>
+              <a:r>
+                <a:rPr lang="zh-CN" altLang="en-US" sz="1400" b="1" dirty="0"/>
+                <a:t>谱峰成分拟合</a:t>
               </a:r>
               <a:endParaRPr lang="en-US" b="1" dirty="0"/>
             </a:p>
@@ -4459,6 +5413,169 @@
     <p:extLst>
       <p:ext uri="{BB962C8B-B14F-4D97-AF65-F5344CB8AC3E}">
         <p14:creationId xmlns:p14="http://schemas.microsoft.com/office/powerpoint/2010/main" val="3805256400"/>
+      </p:ext>
+    </p:extLst>
+  </p:cSld>
+  <p:clrMapOvr>
+    <a:masterClrMapping/>
+  </p:clrMapOvr>
+</p:sld>
+</file>
+
+<file path=ppt/slides/slide10.xml><?xml version="1.0" encoding="utf-8"?>
+<p:sld xmlns:a="http://schemas.openxmlformats.org/drawingml/2006/main" xmlns:r="http://schemas.openxmlformats.org/officeDocument/2006/relationships" xmlns:p="http://schemas.openxmlformats.org/presentationml/2006/main">
+  <p:cSld>
+    <p:spTree>
+      <p:nvGrpSpPr>
+        <p:cNvPr id="1" name=""/>
+        <p:cNvGrpSpPr/>
+        <p:nvPr/>
+      </p:nvGrpSpPr>
+      <p:grpSpPr>
+        <a:xfrm>
+          <a:off x="0" y="0"/>
+          <a:ext cx="0" cy="0"/>
+          <a:chOff x="0" y="0"/>
+          <a:chExt cx="0" cy="0"/>
+        </a:xfrm>
+      </p:grpSpPr>
+      <p:grpSp>
+        <p:nvGrpSpPr>
+          <p:cNvPr id="4" name="Group 3">
+            <a:extLst>
+              <a:ext uri="{FF2B5EF4-FFF2-40B4-BE49-F238E27FC236}">
+                <a16:creationId xmlns:a16="http://schemas.microsoft.com/office/drawing/2014/main" id="{363CF469-4C6A-41BD-8785-3BD58AF18B40}"/>
+              </a:ext>
+            </a:extLst>
+          </p:cNvPr>
+          <p:cNvGrpSpPr/>
+          <p:nvPr/>
+        </p:nvGrpSpPr>
+        <p:grpSpPr>
+          <a:xfrm>
+            <a:off x="1545115" y="670454"/>
+            <a:ext cx="8539352" cy="5055684"/>
+            <a:chOff x="1545115" y="670454"/>
+            <a:chExt cx="8539352" cy="5055684"/>
+          </a:xfrm>
+        </p:grpSpPr>
+        <p:pic>
+          <p:nvPicPr>
+            <p:cNvPr id="2" name="Picture 1">
+              <a:extLst>
+                <a:ext uri="{FF2B5EF4-FFF2-40B4-BE49-F238E27FC236}">
+                  <a16:creationId xmlns:a16="http://schemas.microsoft.com/office/drawing/2014/main" id="{37D88CE5-A048-4133-962B-F97E1D60352E}"/>
+                </a:ext>
+              </a:extLst>
+            </p:cNvPr>
+            <p:cNvPicPr>
+              <a:picLocks noChangeAspect="1"/>
+            </p:cNvPicPr>
+            <p:nvPr/>
+          </p:nvPicPr>
+          <p:blipFill>
+            <a:blip r:embed="rId2"/>
+            <a:stretch>
+              <a:fillRect/>
+            </a:stretch>
+          </p:blipFill>
+          <p:spPr>
+            <a:xfrm>
+              <a:off x="1622486" y="763564"/>
+              <a:ext cx="8461981" cy="4962574"/>
+            </a:xfrm>
+            <a:prstGeom prst="rect">
+              <a:avLst/>
+            </a:prstGeom>
+            <a:ln w="38100">
+              <a:solidFill>
+                <a:schemeClr val="accent5">
+                  <a:lumMod val="40000"/>
+                  <a:lumOff val="60000"/>
+                </a:schemeClr>
+              </a:solidFill>
+            </a:ln>
+          </p:spPr>
+        </p:pic>
+        <p:sp>
+          <p:nvSpPr>
+            <p:cNvPr id="8" name="TextBox 7">
+              <a:extLst>
+                <a:ext uri="{FF2B5EF4-FFF2-40B4-BE49-F238E27FC236}">
+                  <a16:creationId xmlns:a16="http://schemas.microsoft.com/office/drawing/2014/main" id="{26C029E8-91E6-4762-9F47-5FE7643D7451}"/>
+                </a:ext>
+              </a:extLst>
+            </p:cNvPr>
+            <p:cNvSpPr txBox="1"/>
+            <p:nvPr/>
+          </p:nvSpPr>
+          <p:spPr>
+            <a:xfrm>
+              <a:off x="1545115" y="670454"/>
+              <a:ext cx="506437" cy="584775"/>
+            </a:xfrm>
+            <a:prstGeom prst="rect">
+              <a:avLst/>
+            </a:prstGeom>
+            <a:noFill/>
+          </p:spPr>
+          <p:txBody>
+            <a:bodyPr wrap="square" rtlCol="0">
+              <a:spAutoFit/>
+            </a:bodyPr>
+            <a:lstStyle/>
+            <a:p>
+              <a:pPr algn="ctr"/>
+              <a:r>
+                <a:rPr lang="en-US" altLang="zh-CN" sz="3200" b="1" dirty="0"/>
+                <a:t>A</a:t>
+              </a:r>
+              <a:endParaRPr lang="en-US" b="1" dirty="0"/>
+            </a:p>
+          </p:txBody>
+        </p:sp>
+        <p:sp>
+          <p:nvSpPr>
+            <p:cNvPr id="9" name="TextBox 8">
+              <a:extLst>
+                <a:ext uri="{FF2B5EF4-FFF2-40B4-BE49-F238E27FC236}">
+                  <a16:creationId xmlns:a16="http://schemas.microsoft.com/office/drawing/2014/main" id="{9782D4F6-B1A1-4277-823D-4C940F34DB29}"/>
+                </a:ext>
+              </a:extLst>
+            </p:cNvPr>
+            <p:cNvSpPr txBox="1"/>
+            <p:nvPr/>
+          </p:nvSpPr>
+          <p:spPr>
+            <a:xfrm>
+              <a:off x="1545115" y="3613149"/>
+              <a:ext cx="506437" cy="584775"/>
+            </a:xfrm>
+            <a:prstGeom prst="rect">
+              <a:avLst/>
+            </a:prstGeom>
+            <a:noFill/>
+          </p:spPr>
+          <p:txBody>
+            <a:bodyPr wrap="square" rtlCol="0">
+              <a:spAutoFit/>
+            </a:bodyPr>
+            <a:lstStyle/>
+            <a:p>
+              <a:pPr algn="ctr"/>
+              <a:r>
+                <a:rPr lang="en-US" altLang="zh-CN" sz="3200" b="1" dirty="0"/>
+                <a:t>B</a:t>
+              </a:r>
+              <a:endParaRPr lang="en-US" b="1" dirty="0"/>
+            </a:p>
+          </p:txBody>
+        </p:sp>
+      </p:grpSp>
+    </p:spTree>
+    <p:extLst>
+      <p:ext uri="{BB962C8B-B14F-4D97-AF65-F5344CB8AC3E}">
+        <p14:creationId xmlns:p14="http://schemas.microsoft.com/office/powerpoint/2010/main" val="1367000850"/>
       </p:ext>
     </p:extLst>
   </p:cSld>
@@ -4649,6 +5766,816 @@
           </p:txBody>
         </p:sp>
       </p:grpSp>
+      <p:sp>
+        <p:nvSpPr>
+          <p:cNvPr id="2" name="Rectangle 1">
+            <a:extLst>
+              <a:ext uri="{FF2B5EF4-FFF2-40B4-BE49-F238E27FC236}">
+                <a16:creationId xmlns:a16="http://schemas.microsoft.com/office/drawing/2014/main" id="{7F94AF2B-41E2-4260-A7DD-D04608FA90E7}"/>
+              </a:ext>
+            </a:extLst>
+          </p:cNvPr>
+          <p:cNvSpPr/>
+          <p:nvPr/>
+        </p:nvSpPr>
+        <p:spPr>
+          <a:xfrm>
+            <a:off x="5881254" y="6362700"/>
+            <a:ext cx="357621" cy="232064"/>
+          </a:xfrm>
+          <a:prstGeom prst="rect">
+            <a:avLst/>
+          </a:prstGeom>
+          <a:solidFill>
+            <a:schemeClr val="bg1"/>
+          </a:solidFill>
+          <a:ln>
+            <a:solidFill>
+              <a:schemeClr val="bg1"/>
+            </a:solidFill>
+          </a:ln>
+        </p:spPr>
+        <p:style>
+          <a:lnRef idx="2">
+            <a:schemeClr val="accent1">
+              <a:shade val="50000"/>
+            </a:schemeClr>
+          </a:lnRef>
+          <a:fillRef idx="1">
+            <a:schemeClr val="accent1"/>
+          </a:fillRef>
+          <a:effectRef idx="0">
+            <a:schemeClr val="accent1"/>
+          </a:effectRef>
+          <a:fontRef idx="minor">
+            <a:schemeClr val="lt1"/>
+          </a:fontRef>
+        </p:style>
+        <p:txBody>
+          <a:bodyPr rtlCol="0" anchor="ctr"/>
+          <a:lstStyle/>
+          <a:p>
+            <a:pPr algn="ctr"/>
+            <a:endParaRPr lang="en-US"/>
+          </a:p>
+        </p:txBody>
+      </p:sp>
+      <p:sp>
+        <p:nvSpPr>
+          <p:cNvPr id="4" name="Rectangle 3">
+            <a:extLst>
+              <a:ext uri="{FF2B5EF4-FFF2-40B4-BE49-F238E27FC236}">
+                <a16:creationId xmlns:a16="http://schemas.microsoft.com/office/drawing/2014/main" id="{17E783EF-F3CB-49E8-B9E5-FD3EE3F233A8}"/>
+              </a:ext>
+            </a:extLst>
+          </p:cNvPr>
+          <p:cNvSpPr/>
+          <p:nvPr/>
+        </p:nvSpPr>
+        <p:spPr>
+          <a:xfrm>
+            <a:off x="2417618" y="1190625"/>
+            <a:ext cx="316057" cy="1714500"/>
+          </a:xfrm>
+          <a:prstGeom prst="rect">
+            <a:avLst/>
+          </a:prstGeom>
+          <a:solidFill>
+            <a:schemeClr val="bg1"/>
+          </a:solidFill>
+          <a:ln>
+            <a:solidFill>
+              <a:schemeClr val="bg1"/>
+            </a:solidFill>
+          </a:ln>
+        </p:spPr>
+        <p:style>
+          <a:lnRef idx="2">
+            <a:schemeClr val="accent1">
+              <a:shade val="50000"/>
+            </a:schemeClr>
+          </a:lnRef>
+          <a:fillRef idx="1">
+            <a:schemeClr val="accent1"/>
+          </a:fillRef>
+          <a:effectRef idx="0">
+            <a:schemeClr val="accent1"/>
+          </a:effectRef>
+          <a:fontRef idx="minor">
+            <a:schemeClr val="lt1"/>
+          </a:fontRef>
+        </p:style>
+        <p:txBody>
+          <a:bodyPr rtlCol="0" anchor="ctr"/>
+          <a:lstStyle/>
+          <a:p>
+            <a:pPr algn="ctr"/>
+            <a:endParaRPr lang="en-US"/>
+          </a:p>
+        </p:txBody>
+      </p:sp>
+      <p:sp>
+        <p:nvSpPr>
+          <p:cNvPr id="5" name="Rectangle 4">
+            <a:extLst>
+              <a:ext uri="{FF2B5EF4-FFF2-40B4-BE49-F238E27FC236}">
+                <a16:creationId xmlns:a16="http://schemas.microsoft.com/office/drawing/2014/main" id="{06396B48-FDA3-44F6-8E0E-DDFCCE367DD9}"/>
+              </a:ext>
+            </a:extLst>
+          </p:cNvPr>
+          <p:cNvSpPr/>
+          <p:nvPr/>
+        </p:nvSpPr>
+        <p:spPr>
+          <a:xfrm>
+            <a:off x="2535379" y="4695825"/>
+            <a:ext cx="198296" cy="1190625"/>
+          </a:xfrm>
+          <a:prstGeom prst="rect">
+            <a:avLst/>
+          </a:prstGeom>
+          <a:solidFill>
+            <a:schemeClr val="bg1"/>
+          </a:solidFill>
+          <a:ln>
+            <a:solidFill>
+              <a:schemeClr val="bg1"/>
+            </a:solidFill>
+          </a:ln>
+        </p:spPr>
+        <p:style>
+          <a:lnRef idx="2">
+            <a:schemeClr val="accent1">
+              <a:shade val="50000"/>
+            </a:schemeClr>
+          </a:lnRef>
+          <a:fillRef idx="1">
+            <a:schemeClr val="accent1"/>
+          </a:fillRef>
+          <a:effectRef idx="0">
+            <a:schemeClr val="accent1"/>
+          </a:effectRef>
+          <a:fontRef idx="minor">
+            <a:schemeClr val="lt1"/>
+          </a:fontRef>
+        </p:style>
+        <p:txBody>
+          <a:bodyPr rtlCol="0" anchor="ctr"/>
+          <a:lstStyle/>
+          <a:p>
+            <a:pPr algn="ctr"/>
+            <a:endParaRPr lang="en-US"/>
+          </a:p>
+        </p:txBody>
+      </p:sp>
+      <p:sp>
+        <p:nvSpPr>
+          <p:cNvPr id="13" name="Rectangle 12">
+            <a:extLst>
+              <a:ext uri="{FF2B5EF4-FFF2-40B4-BE49-F238E27FC236}">
+                <a16:creationId xmlns:a16="http://schemas.microsoft.com/office/drawing/2014/main" id="{99A98D67-FF44-4F32-A1F4-1EF78CF58D7B}"/>
+              </a:ext>
+            </a:extLst>
+          </p:cNvPr>
+          <p:cNvSpPr/>
+          <p:nvPr/>
+        </p:nvSpPr>
+        <p:spPr>
+          <a:xfrm>
+            <a:off x="4033404" y="3143460"/>
+            <a:ext cx="429491" cy="232064"/>
+          </a:xfrm>
+          <a:prstGeom prst="rect">
+            <a:avLst/>
+          </a:prstGeom>
+          <a:solidFill>
+            <a:schemeClr val="bg1"/>
+          </a:solidFill>
+          <a:ln>
+            <a:solidFill>
+              <a:schemeClr val="bg1"/>
+            </a:solidFill>
+          </a:ln>
+        </p:spPr>
+        <p:style>
+          <a:lnRef idx="2">
+            <a:schemeClr val="accent1">
+              <a:shade val="50000"/>
+            </a:schemeClr>
+          </a:lnRef>
+          <a:fillRef idx="1">
+            <a:schemeClr val="accent1"/>
+          </a:fillRef>
+          <a:effectRef idx="0">
+            <a:schemeClr val="accent1"/>
+          </a:effectRef>
+          <a:fontRef idx="minor">
+            <a:schemeClr val="lt1"/>
+          </a:fontRef>
+        </p:style>
+        <p:txBody>
+          <a:bodyPr rtlCol="0" anchor="ctr"/>
+          <a:lstStyle/>
+          <a:p>
+            <a:pPr algn="ctr"/>
+            <a:endParaRPr lang="en-US"/>
+          </a:p>
+        </p:txBody>
+      </p:sp>
+      <p:sp>
+        <p:nvSpPr>
+          <p:cNvPr id="16" name="Rectangle 15">
+            <a:extLst>
+              <a:ext uri="{FF2B5EF4-FFF2-40B4-BE49-F238E27FC236}">
+                <a16:creationId xmlns:a16="http://schemas.microsoft.com/office/drawing/2014/main" id="{EA634341-6441-43B3-8547-F15E8E4E01BB}"/>
+              </a:ext>
+            </a:extLst>
+          </p:cNvPr>
+          <p:cNvSpPr/>
+          <p:nvPr/>
+        </p:nvSpPr>
+        <p:spPr>
+          <a:xfrm>
+            <a:off x="7514361" y="3118559"/>
+            <a:ext cx="781914" cy="232064"/>
+          </a:xfrm>
+          <a:prstGeom prst="rect">
+            <a:avLst/>
+          </a:prstGeom>
+          <a:solidFill>
+            <a:schemeClr val="bg1"/>
+          </a:solidFill>
+          <a:ln>
+            <a:solidFill>
+              <a:schemeClr val="bg1"/>
+            </a:solidFill>
+          </a:ln>
+        </p:spPr>
+        <p:style>
+          <a:lnRef idx="2">
+            <a:schemeClr val="accent1">
+              <a:shade val="50000"/>
+            </a:schemeClr>
+          </a:lnRef>
+          <a:fillRef idx="1">
+            <a:schemeClr val="accent1"/>
+          </a:fillRef>
+          <a:effectRef idx="0">
+            <a:schemeClr val="accent1"/>
+          </a:effectRef>
+          <a:fontRef idx="minor">
+            <a:schemeClr val="lt1"/>
+          </a:fontRef>
+        </p:style>
+        <p:txBody>
+          <a:bodyPr rtlCol="0" anchor="ctr"/>
+          <a:lstStyle/>
+          <a:p>
+            <a:pPr algn="ctr"/>
+            <a:endParaRPr lang="en-US"/>
+          </a:p>
+        </p:txBody>
+      </p:sp>
+      <p:sp>
+        <p:nvSpPr>
+          <p:cNvPr id="18" name="TextBox 17">
+            <a:extLst>
+              <a:ext uri="{FF2B5EF4-FFF2-40B4-BE49-F238E27FC236}">
+                <a16:creationId xmlns:a16="http://schemas.microsoft.com/office/drawing/2014/main" id="{BF4D3090-327C-4E16-AD2A-E70A6701166B}"/>
+              </a:ext>
+            </a:extLst>
+          </p:cNvPr>
+          <p:cNvSpPr txBox="1"/>
+          <p:nvPr/>
+        </p:nvSpPr>
+        <p:spPr>
+          <a:xfrm>
+            <a:off x="2333565" y="1294107"/>
+            <a:ext cx="400110" cy="1209197"/>
+          </a:xfrm>
+          <a:prstGeom prst="rect">
+            <a:avLst/>
+          </a:prstGeom>
+          <a:noFill/>
+        </p:spPr>
+        <p:txBody>
+          <a:bodyPr vert="eaVert" wrap="square" rtlCol="0">
+            <a:spAutoFit/>
+          </a:bodyPr>
+          <a:lstStyle/>
+          <a:p>
+            <a:pPr algn="ctr"/>
+            <a:r>
+              <a:rPr lang="zh-CN" altLang="en-US" sz="1400" dirty="0"/>
+              <a:t>尺度的功率谱</a:t>
+            </a:r>
+            <a:endParaRPr lang="en-US" sz="1400" dirty="0"/>
+          </a:p>
+        </p:txBody>
+      </p:sp>
+      <p:sp>
+        <p:nvSpPr>
+          <p:cNvPr id="19" name="TextBox 18">
+            <a:extLst>
+              <a:ext uri="{FF2B5EF4-FFF2-40B4-BE49-F238E27FC236}">
+                <a16:creationId xmlns:a16="http://schemas.microsoft.com/office/drawing/2014/main" id="{E25296F1-C997-4C58-9DEF-20AB0D1FD457}"/>
+              </a:ext>
+            </a:extLst>
+          </p:cNvPr>
+          <p:cNvSpPr txBox="1"/>
+          <p:nvPr/>
+        </p:nvSpPr>
+        <p:spPr>
+          <a:xfrm>
+            <a:off x="2316966" y="1106288"/>
+            <a:ext cx="451878" cy="307777"/>
+          </a:xfrm>
+          <a:prstGeom prst="rect">
+            <a:avLst/>
+          </a:prstGeom>
+          <a:noFill/>
+        </p:spPr>
+        <p:txBody>
+          <a:bodyPr wrap="square" rtlCol="0">
+            <a:spAutoFit/>
+          </a:bodyPr>
+          <a:lstStyle/>
+          <a:p>
+            <a:pPr algn="ctr"/>
+            <a:r>
+              <a:rPr lang="en-US" altLang="zh-CN" sz="1400" dirty="0"/>
+              <a:t>Log</a:t>
+            </a:r>
+            <a:endParaRPr lang="en-US" sz="1400" dirty="0"/>
+          </a:p>
+        </p:txBody>
+      </p:sp>
+      <p:sp>
+        <p:nvSpPr>
+          <p:cNvPr id="20" name="TextBox 19">
+            <a:extLst>
+              <a:ext uri="{FF2B5EF4-FFF2-40B4-BE49-F238E27FC236}">
+                <a16:creationId xmlns:a16="http://schemas.microsoft.com/office/drawing/2014/main" id="{19CECB0D-0DC7-4DCD-9438-965AB6CB294A}"/>
+              </a:ext>
+            </a:extLst>
+          </p:cNvPr>
+          <p:cNvSpPr txBox="1"/>
+          <p:nvPr/>
+        </p:nvSpPr>
+        <p:spPr>
+          <a:xfrm>
+            <a:off x="2436668" y="4648255"/>
+            <a:ext cx="400110" cy="726453"/>
+          </a:xfrm>
+          <a:prstGeom prst="rect">
+            <a:avLst/>
+          </a:prstGeom>
+          <a:noFill/>
+        </p:spPr>
+        <p:txBody>
+          <a:bodyPr vert="eaVert" wrap="square" rtlCol="0">
+            <a:spAutoFit/>
+          </a:bodyPr>
+          <a:lstStyle/>
+          <a:p>
+            <a:pPr algn="ctr"/>
+            <a:r>
+              <a:rPr lang="zh-CN" altLang="en-US" sz="1400" dirty="0"/>
+              <a:t>功率谱</a:t>
+            </a:r>
+            <a:endParaRPr lang="en-US" sz="1400" dirty="0"/>
+          </a:p>
+        </p:txBody>
+      </p:sp>
+      <p:sp>
+        <p:nvSpPr>
+          <p:cNvPr id="21" name="TextBox 20">
+            <a:extLst>
+              <a:ext uri="{FF2B5EF4-FFF2-40B4-BE49-F238E27FC236}">
+                <a16:creationId xmlns:a16="http://schemas.microsoft.com/office/drawing/2014/main" id="{C68F67DE-62CD-4AFC-A7FA-6EF8A9B0C93E}"/>
+              </a:ext>
+            </a:extLst>
+          </p:cNvPr>
+          <p:cNvSpPr txBox="1"/>
+          <p:nvPr/>
+        </p:nvSpPr>
+        <p:spPr>
+          <a:xfrm>
+            <a:off x="5727840" y="6324843"/>
+            <a:ext cx="664448" cy="307777"/>
+          </a:xfrm>
+          <a:prstGeom prst="rect">
+            <a:avLst/>
+          </a:prstGeom>
+          <a:noFill/>
+        </p:spPr>
+        <p:txBody>
+          <a:bodyPr wrap="square" rtlCol="0">
+            <a:spAutoFit/>
+          </a:bodyPr>
+          <a:lstStyle/>
+          <a:p>
+            <a:pPr algn="ctr"/>
+            <a:r>
+              <a:rPr lang="zh-CN" altLang="en-US" sz="1400" dirty="0"/>
+              <a:t>频率</a:t>
+            </a:r>
+            <a:endParaRPr lang="en-US" sz="1400" dirty="0"/>
+          </a:p>
+        </p:txBody>
+      </p:sp>
+      <p:sp>
+        <p:nvSpPr>
+          <p:cNvPr id="22" name="TextBox 21">
+            <a:extLst>
+              <a:ext uri="{FF2B5EF4-FFF2-40B4-BE49-F238E27FC236}">
+                <a16:creationId xmlns:a16="http://schemas.microsoft.com/office/drawing/2014/main" id="{EB80AEF5-4BA8-472F-A06D-FA0946EA8E78}"/>
+              </a:ext>
+            </a:extLst>
+          </p:cNvPr>
+          <p:cNvSpPr txBox="1"/>
+          <p:nvPr/>
+        </p:nvSpPr>
+        <p:spPr>
+          <a:xfrm>
+            <a:off x="3969318" y="3080702"/>
+            <a:ext cx="664448" cy="307777"/>
+          </a:xfrm>
+          <a:prstGeom prst="rect">
+            <a:avLst/>
+          </a:prstGeom>
+          <a:noFill/>
+        </p:spPr>
+        <p:txBody>
+          <a:bodyPr wrap="square" rtlCol="0">
+            <a:spAutoFit/>
+          </a:bodyPr>
+          <a:lstStyle/>
+          <a:p>
+            <a:pPr algn="ctr"/>
+            <a:r>
+              <a:rPr lang="zh-CN" altLang="en-US" sz="1400" dirty="0"/>
+              <a:t>频率</a:t>
+            </a:r>
+            <a:endParaRPr lang="en-US" sz="1400" dirty="0"/>
+          </a:p>
+        </p:txBody>
+      </p:sp>
+      <p:sp>
+        <p:nvSpPr>
+          <p:cNvPr id="23" name="TextBox 22">
+            <a:extLst>
+              <a:ext uri="{FF2B5EF4-FFF2-40B4-BE49-F238E27FC236}">
+                <a16:creationId xmlns:a16="http://schemas.microsoft.com/office/drawing/2014/main" id="{D41F04E2-C7C6-4066-9642-94184C9E02A5}"/>
+              </a:ext>
+            </a:extLst>
+          </p:cNvPr>
+          <p:cNvSpPr txBox="1"/>
+          <p:nvPr/>
+        </p:nvSpPr>
+        <p:spPr>
+          <a:xfrm>
+            <a:off x="7400925" y="3105603"/>
+            <a:ext cx="1070778" cy="307777"/>
+          </a:xfrm>
+          <a:prstGeom prst="rect">
+            <a:avLst/>
+          </a:prstGeom>
+          <a:noFill/>
+        </p:spPr>
+        <p:txBody>
+          <a:bodyPr wrap="square" rtlCol="0">
+            <a:spAutoFit/>
+          </a:bodyPr>
+          <a:lstStyle/>
+          <a:p>
+            <a:pPr algn="ctr"/>
+            <a:r>
+              <a:rPr lang="zh-CN" altLang="en-US" sz="1400" dirty="0"/>
+              <a:t>迭代次数</a:t>
+            </a:r>
+            <a:endParaRPr lang="en-US" sz="1400" dirty="0"/>
+          </a:p>
+        </p:txBody>
+      </p:sp>
+      <p:sp>
+        <p:nvSpPr>
+          <p:cNvPr id="6" name="Rectangle 5">
+            <a:extLst>
+              <a:ext uri="{FF2B5EF4-FFF2-40B4-BE49-F238E27FC236}">
+                <a16:creationId xmlns:a16="http://schemas.microsoft.com/office/drawing/2014/main" id="{E98FD2C3-399C-4C96-AB28-8EE594E5122C}"/>
+              </a:ext>
+            </a:extLst>
+          </p:cNvPr>
+          <p:cNvSpPr/>
+          <p:nvPr/>
+        </p:nvSpPr>
+        <p:spPr>
+          <a:xfrm>
+            <a:off x="5881254" y="1019175"/>
+            <a:ext cx="290946" cy="1314450"/>
+          </a:xfrm>
+          <a:prstGeom prst="rect">
+            <a:avLst/>
+          </a:prstGeom>
+          <a:solidFill>
+            <a:schemeClr val="bg1"/>
+          </a:solidFill>
+          <a:ln>
+            <a:solidFill>
+              <a:schemeClr val="bg1"/>
+            </a:solidFill>
+          </a:ln>
+        </p:spPr>
+        <p:style>
+          <a:lnRef idx="2">
+            <a:schemeClr val="accent1">
+              <a:shade val="50000"/>
+            </a:schemeClr>
+          </a:lnRef>
+          <a:fillRef idx="1">
+            <a:schemeClr val="accent1"/>
+          </a:fillRef>
+          <a:effectRef idx="0">
+            <a:schemeClr val="accent1"/>
+          </a:effectRef>
+          <a:fontRef idx="minor">
+            <a:schemeClr val="lt1"/>
+          </a:fontRef>
+        </p:style>
+        <p:txBody>
+          <a:bodyPr rtlCol="0" anchor="ctr"/>
+          <a:lstStyle/>
+          <a:p>
+            <a:pPr algn="ctr"/>
+            <a:endParaRPr lang="en-US"/>
+          </a:p>
+        </p:txBody>
+      </p:sp>
+      <p:sp>
+        <p:nvSpPr>
+          <p:cNvPr id="24" name="TextBox 23">
+            <a:extLst>
+              <a:ext uri="{FF2B5EF4-FFF2-40B4-BE49-F238E27FC236}">
+                <a16:creationId xmlns:a16="http://schemas.microsoft.com/office/drawing/2014/main" id="{0E57703E-E988-4557-8792-4215662C0014}"/>
+              </a:ext>
+            </a:extLst>
+          </p:cNvPr>
+          <p:cNvSpPr txBox="1"/>
+          <p:nvPr/>
+        </p:nvSpPr>
+        <p:spPr>
+          <a:xfrm>
+            <a:off x="5838765" y="1294107"/>
+            <a:ext cx="400110" cy="1039518"/>
+          </a:xfrm>
+          <a:prstGeom prst="rect">
+            <a:avLst/>
+          </a:prstGeom>
+          <a:noFill/>
+        </p:spPr>
+        <p:txBody>
+          <a:bodyPr vert="eaVert" wrap="square" rtlCol="0">
+            <a:spAutoFit/>
+          </a:bodyPr>
+          <a:lstStyle/>
+          <a:p>
+            <a:pPr algn="ctr"/>
+            <a:r>
+              <a:rPr lang="zh-CN" altLang="en-US" sz="1400" dirty="0"/>
+              <a:t>似然函数</a:t>
+            </a:r>
+            <a:endParaRPr lang="en-US" sz="1400" dirty="0"/>
+          </a:p>
+        </p:txBody>
+      </p:sp>
+      <p:sp>
+        <p:nvSpPr>
+          <p:cNvPr id="25" name="TextBox 24">
+            <a:extLst>
+              <a:ext uri="{FF2B5EF4-FFF2-40B4-BE49-F238E27FC236}">
+                <a16:creationId xmlns:a16="http://schemas.microsoft.com/office/drawing/2014/main" id="{AEA382D4-33AA-415D-970D-6C31D66062D0}"/>
+              </a:ext>
+            </a:extLst>
+          </p:cNvPr>
+          <p:cNvSpPr txBox="1"/>
+          <p:nvPr/>
+        </p:nvSpPr>
+        <p:spPr>
+          <a:xfrm>
+            <a:off x="5812881" y="929015"/>
+            <a:ext cx="451878" cy="523220"/>
+          </a:xfrm>
+          <a:prstGeom prst="rect">
+            <a:avLst/>
+          </a:prstGeom>
+          <a:noFill/>
+        </p:spPr>
+        <p:txBody>
+          <a:bodyPr wrap="square" rtlCol="0">
+            <a:spAutoFit/>
+          </a:bodyPr>
+          <a:lstStyle/>
+          <a:p>
+            <a:pPr algn="ctr"/>
+            <a:r>
+              <a:rPr lang="zh-CN" altLang="en-US" sz="1400" dirty="0"/>
+              <a:t>负</a:t>
+            </a:r>
+            <a:endParaRPr lang="en-US" altLang="zh-CN" sz="1400" dirty="0"/>
+          </a:p>
+          <a:p>
+            <a:pPr algn="ctr"/>
+            <a:r>
+              <a:rPr lang="en-US" altLang="zh-CN" sz="1400" dirty="0"/>
+              <a:t>Log</a:t>
+            </a:r>
+            <a:endParaRPr lang="en-US" sz="1400" dirty="0"/>
+          </a:p>
+        </p:txBody>
+      </p:sp>
+      <p:sp>
+        <p:nvSpPr>
+          <p:cNvPr id="7" name="Rectangle 6">
+            <a:extLst>
+              <a:ext uri="{FF2B5EF4-FFF2-40B4-BE49-F238E27FC236}">
+                <a16:creationId xmlns:a16="http://schemas.microsoft.com/office/drawing/2014/main" id="{EE438AB0-335C-44E4-9D86-7A0F039F394E}"/>
+              </a:ext>
+            </a:extLst>
+          </p:cNvPr>
+          <p:cNvSpPr/>
+          <p:nvPr/>
+        </p:nvSpPr>
+        <p:spPr>
+          <a:xfrm>
+            <a:off x="3305175" y="304800"/>
+            <a:ext cx="2314575" cy="180975"/>
+          </a:xfrm>
+          <a:prstGeom prst="rect">
+            <a:avLst/>
+          </a:prstGeom>
+          <a:solidFill>
+            <a:schemeClr val="bg1"/>
+          </a:solidFill>
+          <a:ln>
+            <a:solidFill>
+              <a:schemeClr val="bg1"/>
+            </a:solidFill>
+          </a:ln>
+        </p:spPr>
+        <p:style>
+          <a:lnRef idx="2">
+            <a:schemeClr val="accent1">
+              <a:shade val="50000"/>
+            </a:schemeClr>
+          </a:lnRef>
+          <a:fillRef idx="1">
+            <a:schemeClr val="accent1"/>
+          </a:fillRef>
+          <a:effectRef idx="0">
+            <a:schemeClr val="accent1"/>
+          </a:effectRef>
+          <a:fontRef idx="minor">
+            <a:schemeClr val="lt1"/>
+          </a:fontRef>
+        </p:style>
+        <p:txBody>
+          <a:bodyPr rtlCol="0" anchor="ctr"/>
+          <a:lstStyle/>
+          <a:p>
+            <a:pPr algn="ctr"/>
+            <a:endParaRPr lang="en-US"/>
+          </a:p>
+        </p:txBody>
+      </p:sp>
+      <p:sp>
+        <p:nvSpPr>
+          <p:cNvPr id="8" name="TextBox 7">
+            <a:extLst>
+              <a:ext uri="{FF2B5EF4-FFF2-40B4-BE49-F238E27FC236}">
+                <a16:creationId xmlns:a16="http://schemas.microsoft.com/office/drawing/2014/main" id="{8F5DE343-9086-4095-8F55-BC2F793B871A}"/>
+              </a:ext>
+            </a:extLst>
+          </p:cNvPr>
+          <p:cNvSpPr txBox="1"/>
+          <p:nvPr/>
+        </p:nvSpPr>
+        <p:spPr>
+          <a:xfrm>
+            <a:off x="3438524" y="210621"/>
+            <a:ext cx="1990725" cy="307777"/>
+          </a:xfrm>
+          <a:prstGeom prst="rect">
+            <a:avLst/>
+          </a:prstGeom>
+          <a:noFill/>
+        </p:spPr>
+        <p:txBody>
+          <a:bodyPr wrap="square" rtlCol="0">
+            <a:spAutoFit/>
+          </a:bodyPr>
+          <a:lstStyle/>
+          <a:p>
+            <a:pPr algn="ctr"/>
+            <a:r>
+              <a:rPr lang="zh-CN" altLang="en-US" sz="1400" b="1" dirty="0"/>
+              <a:t>迭代拟合过程</a:t>
+            </a:r>
+            <a:endParaRPr lang="en-US" sz="1400" b="1" dirty="0"/>
+          </a:p>
+        </p:txBody>
+      </p:sp>
+      <p:sp>
+        <p:nvSpPr>
+          <p:cNvPr id="9" name="Rectangle 8">
+            <a:extLst>
+              <a:ext uri="{FF2B5EF4-FFF2-40B4-BE49-F238E27FC236}">
+                <a16:creationId xmlns:a16="http://schemas.microsoft.com/office/drawing/2014/main" id="{ADB77FFD-F5C1-41A9-AD50-87142438D989}"/>
+              </a:ext>
+            </a:extLst>
+          </p:cNvPr>
+          <p:cNvSpPr/>
+          <p:nvPr/>
+        </p:nvSpPr>
+        <p:spPr>
+          <a:xfrm>
+            <a:off x="5105400" y="3557331"/>
+            <a:ext cx="2295525" cy="180975"/>
+          </a:xfrm>
+          <a:prstGeom prst="rect">
+            <a:avLst/>
+          </a:prstGeom>
+          <a:solidFill>
+            <a:schemeClr val="bg1"/>
+          </a:solidFill>
+          <a:ln>
+            <a:solidFill>
+              <a:schemeClr val="bg1"/>
+            </a:solidFill>
+          </a:ln>
+        </p:spPr>
+        <p:style>
+          <a:lnRef idx="2">
+            <a:schemeClr val="accent1">
+              <a:shade val="50000"/>
+            </a:schemeClr>
+          </a:lnRef>
+          <a:fillRef idx="1">
+            <a:schemeClr val="accent1"/>
+          </a:fillRef>
+          <a:effectRef idx="0">
+            <a:schemeClr val="accent1"/>
+          </a:effectRef>
+          <a:fontRef idx="minor">
+            <a:schemeClr val="lt1"/>
+          </a:fontRef>
+        </p:style>
+        <p:txBody>
+          <a:bodyPr rtlCol="0" anchor="ctr"/>
+          <a:lstStyle/>
+          <a:p>
+            <a:pPr algn="ctr"/>
+            <a:endParaRPr lang="en-US"/>
+          </a:p>
+        </p:txBody>
+      </p:sp>
+      <p:sp>
+        <p:nvSpPr>
+          <p:cNvPr id="26" name="TextBox 25">
+            <a:extLst>
+              <a:ext uri="{FF2B5EF4-FFF2-40B4-BE49-F238E27FC236}">
+                <a16:creationId xmlns:a16="http://schemas.microsoft.com/office/drawing/2014/main" id="{8D9C37C9-CEC4-451D-AB52-17283549BB40}"/>
+              </a:ext>
+            </a:extLst>
+          </p:cNvPr>
+          <p:cNvSpPr txBox="1"/>
+          <p:nvPr/>
+        </p:nvSpPr>
+        <p:spPr>
+          <a:xfrm>
+            <a:off x="5176837" y="3474189"/>
+            <a:ext cx="1990725" cy="307777"/>
+          </a:xfrm>
+          <a:prstGeom prst="rect">
+            <a:avLst/>
+          </a:prstGeom>
+          <a:noFill/>
+        </p:spPr>
+        <p:txBody>
+          <a:bodyPr wrap="square" rtlCol="0">
+            <a:spAutoFit/>
+          </a:bodyPr>
+          <a:lstStyle/>
+          <a:p>
+            <a:pPr algn="ctr"/>
+            <a:r>
+              <a:rPr lang="zh-CN" altLang="en-US" sz="1400" b="1" dirty="0"/>
+              <a:t>整体拟合效果</a:t>
+            </a:r>
+            <a:endParaRPr lang="en-US" sz="1400" b="1" dirty="0"/>
+          </a:p>
+        </p:txBody>
+      </p:sp>
     </p:spTree>
     <p:extLst>
       <p:ext uri="{BB962C8B-B14F-4D97-AF65-F5344CB8AC3E}">
@@ -5229,6 +7156,273 @@
       </p:grpSpPr>
       <p:grpSp>
         <p:nvGrpSpPr>
+          <p:cNvPr id="12" name="Group 11">
+            <a:extLst>
+              <a:ext uri="{FF2B5EF4-FFF2-40B4-BE49-F238E27FC236}">
+                <a16:creationId xmlns:a16="http://schemas.microsoft.com/office/drawing/2014/main" id="{9336483F-30C5-408F-AC93-4D43E87004B6}"/>
+              </a:ext>
+            </a:extLst>
+          </p:cNvPr>
+          <p:cNvGrpSpPr/>
+          <p:nvPr/>
+        </p:nvGrpSpPr>
+        <p:grpSpPr>
+          <a:xfrm>
+            <a:off x="0" y="394106"/>
+            <a:ext cx="12192000" cy="6125396"/>
+            <a:chOff x="0" y="394106"/>
+            <a:chExt cx="12192000" cy="6125396"/>
+          </a:xfrm>
+        </p:grpSpPr>
+        <p:pic>
+          <p:nvPicPr>
+            <p:cNvPr id="5" name="Picture 4" descr="A close up of a map&#10;&#10;Description automatically generated">
+              <a:extLst>
+                <a:ext uri="{FF2B5EF4-FFF2-40B4-BE49-F238E27FC236}">
+                  <a16:creationId xmlns:a16="http://schemas.microsoft.com/office/drawing/2014/main" id="{B59B2FC0-C206-40A9-AE16-7FA043CFC022}"/>
+                </a:ext>
+              </a:extLst>
+            </p:cNvPr>
+            <p:cNvPicPr>
+              <a:picLocks noChangeAspect="1"/>
+            </p:cNvPicPr>
+            <p:nvPr/>
+          </p:nvPicPr>
+          <p:blipFill>
+            <a:blip r:embed="rId2">
+              <a:extLst>
+                <a:ext uri="{28A0092B-C50C-407E-A947-70E740481C1C}">
+                  <a14:useLocalDpi xmlns:a14="http://schemas.microsoft.com/office/drawing/2010/main" val="0"/>
+                </a:ext>
+              </a:extLst>
+            </a:blip>
+            <a:stretch>
+              <a:fillRect/>
+            </a:stretch>
+          </p:blipFill>
+          <p:spPr>
+            <a:xfrm>
+              <a:off x="0" y="394106"/>
+              <a:ext cx="12192000" cy="6069787"/>
+            </a:xfrm>
+            <a:prstGeom prst="rect">
+              <a:avLst/>
+            </a:prstGeom>
+          </p:spPr>
+        </p:pic>
+        <p:sp>
+          <p:nvSpPr>
+            <p:cNvPr id="6" name="Rectangle 5">
+              <a:extLst>
+                <a:ext uri="{FF2B5EF4-FFF2-40B4-BE49-F238E27FC236}">
+                  <a16:creationId xmlns:a16="http://schemas.microsoft.com/office/drawing/2014/main" id="{25F0E46A-756F-4FE3-8825-39DFF9A2B041}"/>
+                </a:ext>
+              </a:extLst>
+            </p:cNvPr>
+            <p:cNvSpPr/>
+            <p:nvPr/>
+          </p:nvSpPr>
+          <p:spPr>
+            <a:xfrm>
+              <a:off x="5776188" y="6167535"/>
+              <a:ext cx="550506" cy="296358"/>
+            </a:xfrm>
+            <a:prstGeom prst="rect">
+              <a:avLst/>
+            </a:prstGeom>
+            <a:solidFill>
+              <a:schemeClr val="bg1"/>
+            </a:solidFill>
+            <a:ln>
+              <a:solidFill>
+                <a:schemeClr val="bg1"/>
+              </a:solidFill>
+            </a:ln>
+          </p:spPr>
+          <p:style>
+            <a:lnRef idx="2">
+              <a:schemeClr val="accent1">
+                <a:shade val="50000"/>
+              </a:schemeClr>
+            </a:lnRef>
+            <a:fillRef idx="1">
+              <a:schemeClr val="accent1"/>
+            </a:fillRef>
+            <a:effectRef idx="0">
+              <a:schemeClr val="accent1"/>
+            </a:effectRef>
+            <a:fontRef idx="minor">
+              <a:schemeClr val="lt1"/>
+            </a:fontRef>
+          </p:style>
+          <p:txBody>
+            <a:bodyPr rtlCol="0" anchor="ctr"/>
+            <a:lstStyle/>
+            <a:p>
+              <a:pPr algn="ctr"/>
+              <a:endParaRPr lang="en-US"/>
+            </a:p>
+          </p:txBody>
+        </p:sp>
+        <p:sp>
+          <p:nvSpPr>
+            <p:cNvPr id="7" name="TextBox 6">
+              <a:extLst>
+                <a:ext uri="{FF2B5EF4-FFF2-40B4-BE49-F238E27FC236}">
+                  <a16:creationId xmlns:a16="http://schemas.microsoft.com/office/drawing/2014/main" id="{F3BA2BB1-AAEB-4E94-94AF-0D1D3428B3ED}"/>
+                </a:ext>
+              </a:extLst>
+            </p:cNvPr>
+            <p:cNvSpPr txBox="1"/>
+            <p:nvPr/>
+          </p:nvSpPr>
+          <p:spPr>
+            <a:xfrm>
+              <a:off x="5763776" y="6150170"/>
+              <a:ext cx="664448" cy="369332"/>
+            </a:xfrm>
+            <a:prstGeom prst="rect">
+              <a:avLst/>
+            </a:prstGeom>
+            <a:noFill/>
+          </p:spPr>
+          <p:txBody>
+            <a:bodyPr wrap="square" rtlCol="0">
+              <a:spAutoFit/>
+            </a:bodyPr>
+            <a:lstStyle/>
+            <a:p>
+              <a:r>
+                <a:rPr lang="zh-CN" altLang="en-US" dirty="0"/>
+                <a:t>频率</a:t>
+              </a:r>
+              <a:endParaRPr lang="en-US" dirty="0"/>
+            </a:p>
+          </p:txBody>
+        </p:sp>
+        <p:sp>
+          <p:nvSpPr>
+            <p:cNvPr id="8" name="Rectangle 7">
+              <a:extLst>
+                <a:ext uri="{FF2B5EF4-FFF2-40B4-BE49-F238E27FC236}">
+                  <a16:creationId xmlns:a16="http://schemas.microsoft.com/office/drawing/2014/main" id="{DFAAEA89-93AA-40CB-85F5-C91F455C5139}"/>
+                </a:ext>
+              </a:extLst>
+            </p:cNvPr>
+            <p:cNvSpPr/>
+            <p:nvPr/>
+          </p:nvSpPr>
+          <p:spPr>
+            <a:xfrm>
+              <a:off x="782515" y="3050930"/>
+              <a:ext cx="325316" cy="1512277"/>
+            </a:xfrm>
+            <a:prstGeom prst="rect">
+              <a:avLst/>
+            </a:prstGeom>
+            <a:solidFill>
+              <a:schemeClr val="bg1"/>
+            </a:solidFill>
+            <a:ln>
+              <a:solidFill>
+                <a:schemeClr val="bg1"/>
+              </a:solidFill>
+            </a:ln>
+          </p:spPr>
+          <p:style>
+            <a:lnRef idx="2">
+              <a:schemeClr val="accent1">
+                <a:shade val="50000"/>
+              </a:schemeClr>
+            </a:lnRef>
+            <a:fillRef idx="1">
+              <a:schemeClr val="accent1"/>
+            </a:fillRef>
+            <a:effectRef idx="0">
+              <a:schemeClr val="accent1"/>
+            </a:effectRef>
+            <a:fontRef idx="minor">
+              <a:schemeClr val="lt1"/>
+            </a:fontRef>
+          </p:style>
+          <p:txBody>
+            <a:bodyPr rtlCol="0" anchor="ctr"/>
+            <a:lstStyle/>
+            <a:p>
+              <a:pPr algn="ctr"/>
+              <a:endParaRPr lang="en-US"/>
+            </a:p>
+          </p:txBody>
+        </p:sp>
+        <p:sp>
+          <p:nvSpPr>
+            <p:cNvPr id="11" name="TextBox 10">
+              <a:extLst>
+                <a:ext uri="{FF2B5EF4-FFF2-40B4-BE49-F238E27FC236}">
+                  <a16:creationId xmlns:a16="http://schemas.microsoft.com/office/drawing/2014/main" id="{A350412A-58B4-46CB-BCD1-6B46EE01DEF9}"/>
+                </a:ext>
+              </a:extLst>
+            </p:cNvPr>
+            <p:cNvSpPr txBox="1"/>
+            <p:nvPr/>
+          </p:nvSpPr>
+          <p:spPr>
+            <a:xfrm>
+              <a:off x="714340" y="3050930"/>
+              <a:ext cx="461665" cy="1784839"/>
+            </a:xfrm>
+            <a:prstGeom prst="rect">
+              <a:avLst/>
+            </a:prstGeom>
+            <a:noFill/>
+          </p:spPr>
+          <p:txBody>
+            <a:bodyPr vert="eaVert" wrap="square" rtlCol="0">
+              <a:spAutoFit/>
+            </a:bodyPr>
+            <a:lstStyle/>
+            <a:p>
+              <a:r>
+                <a:rPr lang="zh-CN" altLang="en-US" dirty="0"/>
+                <a:t>归一化的功率谱</a:t>
+              </a:r>
+              <a:endParaRPr lang="en-US" dirty="0"/>
+            </a:p>
+          </p:txBody>
+        </p:sp>
+      </p:grpSp>
+    </p:spTree>
+    <p:extLst>
+      <p:ext uri="{BB962C8B-B14F-4D97-AF65-F5344CB8AC3E}">
+        <p14:creationId xmlns:p14="http://schemas.microsoft.com/office/powerpoint/2010/main" val="3784928216"/>
+      </p:ext>
+    </p:extLst>
+  </p:cSld>
+  <p:clrMapOvr>
+    <a:masterClrMapping/>
+  </p:clrMapOvr>
+</p:sld>
+</file>
+
+<file path=ppt/slides/slide5.xml><?xml version="1.0" encoding="utf-8"?>
+<p:sld xmlns:a="http://schemas.openxmlformats.org/drawingml/2006/main" xmlns:r="http://schemas.openxmlformats.org/officeDocument/2006/relationships" xmlns:p="http://schemas.openxmlformats.org/presentationml/2006/main">
+  <p:cSld>
+    <p:spTree>
+      <p:nvGrpSpPr>
+        <p:cNvPr id="1" name=""/>
+        <p:cNvGrpSpPr/>
+        <p:nvPr/>
+      </p:nvGrpSpPr>
+      <p:grpSpPr>
+        <a:xfrm>
+          <a:off x="0" y="0"/>
+          <a:ext cx="0" cy="0"/>
+          <a:chOff x="0" y="0"/>
+          <a:chExt cx="0" cy="0"/>
+        </a:xfrm>
+      </p:grpSpPr>
+      <p:grpSp>
+        <p:nvGrpSpPr>
           <p:cNvPr id="18" name="Group 17">
             <a:extLst>
               <a:ext uri="{FF2B5EF4-FFF2-40B4-BE49-F238E27FC236}">
@@ -5401,7 +7595,7 @@
 </p:sld>
 </file>
 
-<file path=ppt/slides/slide5.xml><?xml version="1.0" encoding="utf-8"?>
+<file path=ppt/slides/slide6.xml><?xml version="1.0" encoding="utf-8"?>
 <p:sld xmlns:a="http://schemas.openxmlformats.org/drawingml/2006/main" xmlns:r="http://schemas.openxmlformats.org/officeDocument/2006/relationships" xmlns:p="http://schemas.openxmlformats.org/presentationml/2006/main">
   <p:cSld>
     <p:spTree>
@@ -5622,7 +7816,186 @@
 </p:sld>
 </file>
 
-<file path=ppt/slides/slide6.xml><?xml version="1.0" encoding="utf-8"?>
+<file path=ppt/slides/slide7.xml><?xml version="1.0" encoding="utf-8"?>
+<p:sld xmlns:a="http://schemas.openxmlformats.org/drawingml/2006/main" xmlns:r="http://schemas.openxmlformats.org/officeDocument/2006/relationships" xmlns:p="http://schemas.openxmlformats.org/presentationml/2006/main">
+  <p:cSld>
+    <p:spTree>
+      <p:nvGrpSpPr>
+        <p:cNvPr id="1" name=""/>
+        <p:cNvGrpSpPr/>
+        <p:nvPr/>
+      </p:nvGrpSpPr>
+      <p:grpSpPr>
+        <a:xfrm>
+          <a:off x="0" y="0"/>
+          <a:ext cx="0" cy="0"/>
+          <a:chOff x="0" y="0"/>
+          <a:chExt cx="0" cy="0"/>
+        </a:xfrm>
+      </p:grpSpPr>
+      <p:pic>
+        <p:nvPicPr>
+          <p:cNvPr id="5" name="Picture 4">
+            <a:extLst>
+              <a:ext uri="{FF2B5EF4-FFF2-40B4-BE49-F238E27FC236}">
+                <a16:creationId xmlns:a16="http://schemas.microsoft.com/office/drawing/2014/main" id="{19981AE7-8D8E-4B51-85B1-4BE1A216A806}"/>
+              </a:ext>
+            </a:extLst>
+          </p:cNvPr>
+          <p:cNvPicPr>
+            <a:picLocks noChangeAspect="1"/>
+          </p:cNvPicPr>
+          <p:nvPr/>
+        </p:nvPicPr>
+        <p:blipFill>
+          <a:blip r:embed="rId2">
+            <a:extLst>
+              <a:ext uri="{28A0092B-C50C-407E-A947-70E740481C1C}">
+                <a14:useLocalDpi xmlns:a14="http://schemas.microsoft.com/office/drawing/2010/main" val="0"/>
+              </a:ext>
+            </a:extLst>
+          </a:blip>
+          <a:stretch>
+            <a:fillRect/>
+          </a:stretch>
+        </p:blipFill>
+        <p:spPr>
+          <a:xfrm>
+            <a:off x="1676304" y="719997"/>
+            <a:ext cx="8464144" cy="2843609"/>
+          </a:xfrm>
+          <a:prstGeom prst="rect">
+            <a:avLst/>
+          </a:prstGeom>
+          <a:ln>
+            <a:noFill/>
+          </a:ln>
+        </p:spPr>
+      </p:pic>
+      <p:pic>
+        <p:nvPicPr>
+          <p:cNvPr id="7" name="Picture 6">
+            <a:extLst>
+              <a:ext uri="{FF2B5EF4-FFF2-40B4-BE49-F238E27FC236}">
+                <a16:creationId xmlns:a16="http://schemas.microsoft.com/office/drawing/2014/main" id="{785FB26B-6F9E-4AC6-B743-197E7EF5844E}"/>
+              </a:ext>
+            </a:extLst>
+          </p:cNvPr>
+          <p:cNvPicPr>
+            <a:picLocks noChangeAspect="1"/>
+          </p:cNvPicPr>
+          <p:nvPr/>
+        </p:nvPicPr>
+        <p:blipFill>
+          <a:blip r:embed="rId3">
+            <a:extLst>
+              <a:ext uri="{28A0092B-C50C-407E-A947-70E740481C1C}">
+                <a14:useLocalDpi xmlns:a14="http://schemas.microsoft.com/office/drawing/2010/main" val="0"/>
+              </a:ext>
+            </a:extLst>
+          </a:blip>
+          <a:stretch>
+            <a:fillRect/>
+          </a:stretch>
+        </p:blipFill>
+        <p:spPr>
+          <a:xfrm>
+            <a:off x="1676304" y="4098033"/>
+            <a:ext cx="8464144" cy="1584685"/>
+          </a:xfrm>
+          <a:prstGeom prst="rect">
+            <a:avLst/>
+          </a:prstGeom>
+        </p:spPr>
+      </p:pic>
+      <p:sp>
+        <p:nvSpPr>
+          <p:cNvPr id="8" name="TextBox 7">
+            <a:extLst>
+              <a:ext uri="{FF2B5EF4-FFF2-40B4-BE49-F238E27FC236}">
+                <a16:creationId xmlns:a16="http://schemas.microsoft.com/office/drawing/2014/main" id="{26C029E8-91E6-4762-9F47-5FE7643D7451}"/>
+              </a:ext>
+            </a:extLst>
+          </p:cNvPr>
+          <p:cNvSpPr txBox="1"/>
+          <p:nvPr/>
+        </p:nvSpPr>
+        <p:spPr>
+          <a:xfrm>
+            <a:off x="1545115" y="670454"/>
+            <a:ext cx="506437" cy="584775"/>
+          </a:xfrm>
+          <a:prstGeom prst="rect">
+            <a:avLst/>
+          </a:prstGeom>
+          <a:noFill/>
+        </p:spPr>
+        <p:txBody>
+          <a:bodyPr wrap="square" rtlCol="0">
+            <a:spAutoFit/>
+          </a:bodyPr>
+          <a:lstStyle/>
+          <a:p>
+            <a:pPr algn="ctr"/>
+            <a:r>
+              <a:rPr lang="en-US" altLang="zh-CN" sz="3200" b="1" dirty="0"/>
+              <a:t>A</a:t>
+            </a:r>
+            <a:endParaRPr lang="en-US" b="1" dirty="0"/>
+          </a:p>
+        </p:txBody>
+      </p:sp>
+      <p:sp>
+        <p:nvSpPr>
+          <p:cNvPr id="9" name="TextBox 8">
+            <a:extLst>
+              <a:ext uri="{FF2B5EF4-FFF2-40B4-BE49-F238E27FC236}">
+                <a16:creationId xmlns:a16="http://schemas.microsoft.com/office/drawing/2014/main" id="{9782D4F6-B1A1-4277-823D-4C940F34DB29}"/>
+              </a:ext>
+            </a:extLst>
+          </p:cNvPr>
+          <p:cNvSpPr txBox="1"/>
+          <p:nvPr/>
+        </p:nvSpPr>
+        <p:spPr>
+          <a:xfrm>
+            <a:off x="1545115" y="3613149"/>
+            <a:ext cx="506437" cy="584775"/>
+          </a:xfrm>
+          <a:prstGeom prst="rect">
+            <a:avLst/>
+          </a:prstGeom>
+          <a:noFill/>
+        </p:spPr>
+        <p:txBody>
+          <a:bodyPr wrap="square" rtlCol="0">
+            <a:spAutoFit/>
+          </a:bodyPr>
+          <a:lstStyle/>
+          <a:p>
+            <a:pPr algn="ctr"/>
+            <a:r>
+              <a:rPr lang="en-US" altLang="zh-CN" sz="3200" b="1" dirty="0"/>
+              <a:t>B</a:t>
+            </a:r>
+            <a:endParaRPr lang="en-US" b="1" dirty="0"/>
+          </a:p>
+        </p:txBody>
+      </p:sp>
+    </p:spTree>
+    <p:extLst>
+      <p:ext uri="{BB962C8B-B14F-4D97-AF65-F5344CB8AC3E}">
+        <p14:creationId xmlns:p14="http://schemas.microsoft.com/office/powerpoint/2010/main" val="2071757018"/>
+      </p:ext>
+    </p:extLst>
+  </p:cSld>
+  <p:clrMapOvr>
+    <a:masterClrMapping/>
+  </p:clrMapOvr>
+</p:sld>
+</file>
+
+<file path=ppt/slides/slide8.xml><?xml version="1.0" encoding="utf-8"?>
 <p:sld xmlns:a="http://schemas.openxmlformats.org/drawingml/2006/main" xmlns:r="http://schemas.openxmlformats.org/officeDocument/2006/relationships" xmlns:p="http://schemas.openxmlformats.org/presentationml/2006/main">
   <p:cSld>
     <p:spTree>
@@ -5641,10 +8014,10 @@
       </p:grpSpPr>
       <p:grpSp>
         <p:nvGrpSpPr>
-          <p:cNvPr id="3" name="Group 2">
-            <a:extLst>
-              <a:ext uri="{FF2B5EF4-FFF2-40B4-BE49-F238E27FC236}">
-                <a16:creationId xmlns:a16="http://schemas.microsoft.com/office/drawing/2014/main" id="{F5670AB1-CB9C-4F85-A821-EBA741982544}"/>
+          <p:cNvPr id="13" name="Group 12">
+            <a:extLst>
+              <a:ext uri="{FF2B5EF4-FFF2-40B4-BE49-F238E27FC236}">
+                <a16:creationId xmlns:a16="http://schemas.microsoft.com/office/drawing/2014/main" id="{DCCA2732-7D90-4275-8477-2A36D02AEB5B}"/>
               </a:ext>
             </a:extLst>
           </p:cNvPr>
@@ -5653,18 +8026,18 @@
         </p:nvGrpSpPr>
         <p:grpSpPr>
           <a:xfrm>
-            <a:off x="1676304" y="719997"/>
-            <a:ext cx="8464144" cy="4962721"/>
-            <a:chOff x="1676304" y="719997"/>
-            <a:chExt cx="8464144" cy="4962721"/>
+            <a:off x="2002150" y="855278"/>
+            <a:ext cx="5830390" cy="4303778"/>
+            <a:chOff x="2002150" y="855278"/>
+            <a:chExt cx="5830390" cy="4303778"/>
           </a:xfrm>
         </p:grpSpPr>
         <p:pic>
           <p:nvPicPr>
-            <p:cNvPr id="5" name="Picture 4">
+            <p:cNvPr id="12" name="Picture 11">
               <a:extLst>
                 <a:ext uri="{FF2B5EF4-FFF2-40B4-BE49-F238E27FC236}">
-                  <a16:creationId xmlns:a16="http://schemas.microsoft.com/office/drawing/2014/main" id="{19981AE7-8D8E-4B51-85B1-4BE1A216A806}"/>
+                  <a16:creationId xmlns:a16="http://schemas.microsoft.com/office/drawing/2014/main" id="{91E4A016-6EE2-4B01-ACC2-DFDFD351ABEA}"/>
                 </a:ext>
               </a:extLst>
             </p:cNvPr>
@@ -5673,7 +8046,7 @@
             </p:cNvPicPr>
             <p:nvPr/>
           </p:nvPicPr>
-          <p:blipFill>
+          <p:blipFill rotWithShape="1">
             <a:blip r:embed="rId2">
               <a:extLst>
                 <a:ext uri="{28A0092B-C50C-407E-A947-70E740481C1C}">
@@ -5681,220 +8054,17 @@
                 </a:ext>
               </a:extLst>
             </a:blip>
-            <a:stretch>
-              <a:fillRect/>
-            </a:stretch>
+            <a:srcRect t="5464" r="2574"/>
+            <a:stretch/>
           </p:blipFill>
           <p:spPr>
             <a:xfrm>
-              <a:off x="1676304" y="719997"/>
-              <a:ext cx="8464144" cy="2843609"/>
+              <a:off x="2223059" y="855278"/>
+              <a:ext cx="5609481" cy="3137881"/>
             </a:xfrm>
             <a:prstGeom prst="rect">
               <a:avLst/>
             </a:prstGeom>
-            <a:ln>
-              <a:noFill/>
-            </a:ln>
-          </p:spPr>
-        </p:pic>
-        <p:pic>
-          <p:nvPicPr>
-            <p:cNvPr id="7" name="Picture 6">
-              <a:extLst>
-                <a:ext uri="{FF2B5EF4-FFF2-40B4-BE49-F238E27FC236}">
-                  <a16:creationId xmlns:a16="http://schemas.microsoft.com/office/drawing/2014/main" id="{785FB26B-6F9E-4AC6-B743-197E7EF5844E}"/>
-                </a:ext>
-              </a:extLst>
-            </p:cNvPr>
-            <p:cNvPicPr>
-              <a:picLocks noChangeAspect="1"/>
-            </p:cNvPicPr>
-            <p:nvPr/>
-          </p:nvPicPr>
-          <p:blipFill>
-            <a:blip r:embed="rId3">
-              <a:extLst>
-                <a:ext uri="{28A0092B-C50C-407E-A947-70E740481C1C}">
-                  <a14:useLocalDpi xmlns:a14="http://schemas.microsoft.com/office/drawing/2010/main" val="0"/>
-                </a:ext>
-              </a:extLst>
-            </a:blip>
-            <a:stretch>
-              <a:fillRect/>
-            </a:stretch>
-          </p:blipFill>
-          <p:spPr>
-            <a:xfrm>
-              <a:off x="1676304" y="4098033"/>
-              <a:ext cx="8464144" cy="1584685"/>
-            </a:xfrm>
-            <a:prstGeom prst="rect">
-              <a:avLst/>
-            </a:prstGeom>
-          </p:spPr>
-        </p:pic>
-      </p:grpSp>
-      <p:sp>
-        <p:nvSpPr>
-          <p:cNvPr id="8" name="TextBox 7">
-            <a:extLst>
-              <a:ext uri="{FF2B5EF4-FFF2-40B4-BE49-F238E27FC236}">
-                <a16:creationId xmlns:a16="http://schemas.microsoft.com/office/drawing/2014/main" id="{26C029E8-91E6-4762-9F47-5FE7643D7451}"/>
-              </a:ext>
-            </a:extLst>
-          </p:cNvPr>
-          <p:cNvSpPr txBox="1"/>
-          <p:nvPr/>
-        </p:nvSpPr>
-        <p:spPr>
-          <a:xfrm>
-            <a:off x="1545115" y="670454"/>
-            <a:ext cx="506437" cy="584775"/>
-          </a:xfrm>
-          <a:prstGeom prst="rect">
-            <a:avLst/>
-          </a:prstGeom>
-          <a:noFill/>
-        </p:spPr>
-        <p:txBody>
-          <a:bodyPr wrap="square" rtlCol="0">
-            <a:spAutoFit/>
-          </a:bodyPr>
-          <a:lstStyle/>
-          <a:p>
-            <a:pPr algn="ctr"/>
-            <a:r>
-              <a:rPr lang="en-US" altLang="zh-CN" sz="3200" b="1" dirty="0"/>
-              <a:t>A</a:t>
-            </a:r>
-            <a:endParaRPr lang="en-US" b="1" dirty="0"/>
-          </a:p>
-        </p:txBody>
-      </p:sp>
-      <p:sp>
-        <p:nvSpPr>
-          <p:cNvPr id="9" name="TextBox 8">
-            <a:extLst>
-              <a:ext uri="{FF2B5EF4-FFF2-40B4-BE49-F238E27FC236}">
-                <a16:creationId xmlns:a16="http://schemas.microsoft.com/office/drawing/2014/main" id="{9782D4F6-B1A1-4277-823D-4C940F34DB29}"/>
-              </a:ext>
-            </a:extLst>
-          </p:cNvPr>
-          <p:cNvSpPr txBox="1"/>
-          <p:nvPr/>
-        </p:nvSpPr>
-        <p:spPr>
-          <a:xfrm>
-            <a:off x="1545115" y="3613149"/>
-            <a:ext cx="506437" cy="584775"/>
-          </a:xfrm>
-          <a:prstGeom prst="rect">
-            <a:avLst/>
-          </a:prstGeom>
-          <a:noFill/>
-        </p:spPr>
-        <p:txBody>
-          <a:bodyPr wrap="square" rtlCol="0">
-            <a:spAutoFit/>
-          </a:bodyPr>
-          <a:lstStyle/>
-          <a:p>
-            <a:pPr algn="ctr"/>
-            <a:r>
-              <a:rPr lang="en-US" altLang="zh-CN" sz="3200" b="1" dirty="0"/>
-              <a:t>B</a:t>
-            </a:r>
-            <a:endParaRPr lang="en-US" b="1" dirty="0"/>
-          </a:p>
-        </p:txBody>
-      </p:sp>
-    </p:spTree>
-    <p:extLst>
-      <p:ext uri="{BB962C8B-B14F-4D97-AF65-F5344CB8AC3E}">
-        <p14:creationId xmlns:p14="http://schemas.microsoft.com/office/powerpoint/2010/main" val="2071757018"/>
-      </p:ext>
-    </p:extLst>
-  </p:cSld>
-  <p:clrMapOvr>
-    <a:masterClrMapping/>
-  </p:clrMapOvr>
-</p:sld>
-</file>
-
-<file path=ppt/slides/slide7.xml><?xml version="1.0" encoding="utf-8"?>
-<p:sld xmlns:a="http://schemas.openxmlformats.org/drawingml/2006/main" xmlns:r="http://schemas.openxmlformats.org/officeDocument/2006/relationships" xmlns:p="http://schemas.openxmlformats.org/presentationml/2006/main">
-  <p:cSld>
-    <p:spTree>
-      <p:nvGrpSpPr>
-        <p:cNvPr id="1" name=""/>
-        <p:cNvGrpSpPr/>
-        <p:nvPr/>
-      </p:nvGrpSpPr>
-      <p:grpSpPr>
-        <a:xfrm>
-          <a:off x="0" y="0"/>
-          <a:ext cx="0" cy="0"/>
-          <a:chOff x="0" y="0"/>
-          <a:chExt cx="0" cy="0"/>
-        </a:xfrm>
-      </p:grpSpPr>
-      <p:grpSp>
-        <p:nvGrpSpPr>
-          <p:cNvPr id="4" name="Group 3">
-            <a:extLst>
-              <a:ext uri="{FF2B5EF4-FFF2-40B4-BE49-F238E27FC236}">
-                <a16:creationId xmlns:a16="http://schemas.microsoft.com/office/drawing/2014/main" id="{363CF469-4C6A-41BD-8785-3BD58AF18B40}"/>
-              </a:ext>
-            </a:extLst>
-          </p:cNvPr>
-          <p:cNvGrpSpPr/>
-          <p:nvPr/>
-        </p:nvGrpSpPr>
-        <p:grpSpPr>
-          <a:xfrm>
-            <a:off x="1545115" y="670454"/>
-            <a:ext cx="8539352" cy="5055684"/>
-            <a:chOff x="1545115" y="670454"/>
-            <a:chExt cx="8539352" cy="5055684"/>
-          </a:xfrm>
-        </p:grpSpPr>
-        <p:pic>
-          <p:nvPicPr>
-            <p:cNvPr id="2" name="Picture 1">
-              <a:extLst>
-                <a:ext uri="{FF2B5EF4-FFF2-40B4-BE49-F238E27FC236}">
-                  <a16:creationId xmlns:a16="http://schemas.microsoft.com/office/drawing/2014/main" id="{37D88CE5-A048-4133-962B-F97E1D60352E}"/>
-                </a:ext>
-              </a:extLst>
-            </p:cNvPr>
-            <p:cNvPicPr>
-              <a:picLocks noChangeAspect="1"/>
-            </p:cNvPicPr>
-            <p:nvPr/>
-          </p:nvPicPr>
-          <p:blipFill>
-            <a:blip r:embed="rId2"/>
-            <a:stretch>
-              <a:fillRect/>
-            </a:stretch>
-          </p:blipFill>
-          <p:spPr>
-            <a:xfrm>
-              <a:off x="1622486" y="763564"/>
-              <a:ext cx="8461981" cy="4962574"/>
-            </a:xfrm>
-            <a:prstGeom prst="rect">
-              <a:avLst/>
-            </a:prstGeom>
-            <a:ln w="38100">
-              <a:solidFill>
-                <a:schemeClr val="accent5">
-                  <a:lumMod val="40000"/>
-                  <a:lumOff val="60000"/>
-                </a:schemeClr>
-              </a:solidFill>
-            </a:ln>
           </p:spPr>
         </p:pic>
         <p:sp>
@@ -5911,8 +8081,8 @@
           </p:nvSpPr>
           <p:spPr>
             <a:xfrm>
-              <a:off x="1545115" y="670454"/>
-              <a:ext cx="506437" cy="584775"/>
+              <a:off x="2002150" y="1042338"/>
+              <a:ext cx="506437" cy="461665"/>
             </a:xfrm>
             <a:prstGeom prst="rect">
               <a:avLst/>
@@ -5927,10 +8097,10 @@
             <a:p>
               <a:pPr algn="ctr"/>
               <a:r>
-                <a:rPr lang="en-US" altLang="zh-CN" sz="3200" b="1" dirty="0"/>
+                <a:rPr lang="en-US" altLang="zh-CN" sz="2400" b="1" dirty="0"/>
                 <a:t>A</a:t>
               </a:r>
-              <a:endParaRPr lang="en-US" b="1" dirty="0"/>
+              <a:endParaRPr lang="en-US" sz="1400" b="1" dirty="0"/>
             </a:p>
           </p:txBody>
         </p:sp>
@@ -5948,8 +8118,8 @@
           </p:nvSpPr>
           <p:spPr>
             <a:xfrm>
-              <a:off x="1545115" y="3613149"/>
-              <a:ext cx="506437" cy="584775"/>
+              <a:off x="2002151" y="3797806"/>
+              <a:ext cx="506437" cy="461665"/>
             </a:xfrm>
             <a:prstGeom prst="rect">
               <a:avLst/>
@@ -5964,18 +8134,115 @@
             <a:p>
               <a:pPr algn="ctr"/>
               <a:r>
-                <a:rPr lang="en-US" altLang="zh-CN" sz="3200" b="1" dirty="0"/>
+                <a:rPr lang="en-US" altLang="zh-CN" sz="2400" b="1" dirty="0"/>
                 <a:t>B</a:t>
               </a:r>
-              <a:endParaRPr lang="en-US" b="1" dirty="0"/>
+              <a:endParaRPr lang="en-US" sz="1400" b="1" dirty="0"/>
             </a:p>
           </p:txBody>
         </p:sp>
+        <p:pic>
+          <p:nvPicPr>
+            <p:cNvPr id="3" name="Picture 2">
+              <a:extLst>
+                <a:ext uri="{FF2B5EF4-FFF2-40B4-BE49-F238E27FC236}">
+                  <a16:creationId xmlns:a16="http://schemas.microsoft.com/office/drawing/2014/main" id="{8FEC20F5-B17F-4315-A855-1693771E1BAE}"/>
+                </a:ext>
+              </a:extLst>
+            </p:cNvPr>
+            <p:cNvPicPr>
+              <a:picLocks noChangeAspect="1"/>
+            </p:cNvPicPr>
+            <p:nvPr/>
+          </p:nvPicPr>
+          <p:blipFill rotWithShape="1">
+            <a:blip r:embed="rId3"/>
+            <a:srcRect r="1221"/>
+            <a:stretch/>
+          </p:blipFill>
+          <p:spPr>
+            <a:xfrm>
+              <a:off x="2357845" y="4028639"/>
+              <a:ext cx="5339910" cy="1130417"/>
+            </a:xfrm>
+            <a:prstGeom prst="rect">
+              <a:avLst/>
+            </a:prstGeom>
+          </p:spPr>
+        </p:pic>
       </p:grpSp>
     </p:spTree>
     <p:extLst>
       <p:ext uri="{BB962C8B-B14F-4D97-AF65-F5344CB8AC3E}">
-        <p14:creationId xmlns:p14="http://schemas.microsoft.com/office/powerpoint/2010/main" val="1367000850"/>
+        <p14:creationId xmlns:p14="http://schemas.microsoft.com/office/powerpoint/2010/main" val="3722764456"/>
+      </p:ext>
+    </p:extLst>
+  </p:cSld>
+  <p:clrMapOvr>
+    <a:masterClrMapping/>
+  </p:clrMapOvr>
+</p:sld>
+</file>
+
+<file path=ppt/slides/slide9.xml><?xml version="1.0" encoding="utf-8"?>
+<p:sld xmlns:a="http://schemas.openxmlformats.org/drawingml/2006/main" xmlns:r="http://schemas.openxmlformats.org/officeDocument/2006/relationships" xmlns:p="http://schemas.openxmlformats.org/presentationml/2006/main">
+  <p:cSld>
+    <p:spTree>
+      <p:nvGrpSpPr>
+        <p:cNvPr id="1" name=""/>
+        <p:cNvGrpSpPr/>
+        <p:nvPr/>
+      </p:nvGrpSpPr>
+      <p:grpSpPr>
+        <a:xfrm>
+          <a:off x="0" y="0"/>
+          <a:ext cx="0" cy="0"/>
+          <a:chOff x="0" y="0"/>
+          <a:chExt cx="0" cy="0"/>
+        </a:xfrm>
+      </p:grpSpPr>
+      <p:pic>
+        <p:nvPicPr>
+          <p:cNvPr id="7" name="Picture 6">
+            <a:extLst>
+              <a:ext uri="{FF2B5EF4-FFF2-40B4-BE49-F238E27FC236}">
+                <a16:creationId xmlns:a16="http://schemas.microsoft.com/office/drawing/2014/main" id="{EA73A474-545B-4A42-BBE9-A319C7183C5A}"/>
+              </a:ext>
+            </a:extLst>
+          </p:cNvPr>
+          <p:cNvPicPr>
+            <a:picLocks noChangeAspect="1"/>
+          </p:cNvPicPr>
+          <p:nvPr/>
+        </p:nvPicPr>
+        <p:blipFill>
+          <a:blip r:embed="rId2"/>
+          <a:stretch>
+            <a:fillRect/>
+          </a:stretch>
+        </p:blipFill>
+        <p:spPr>
+          <a:xfrm>
+            <a:off x="3252787" y="1252537"/>
+            <a:ext cx="5686425" cy="4352925"/>
+          </a:xfrm>
+          <a:prstGeom prst="rect">
+            <a:avLst/>
+          </a:prstGeom>
+          <a:ln w="28575">
+            <a:solidFill>
+              <a:schemeClr val="accent5">
+                <a:lumMod val="40000"/>
+                <a:lumOff val="60000"/>
+              </a:schemeClr>
+            </a:solidFill>
+          </a:ln>
+        </p:spPr>
+      </p:pic>
+    </p:spTree>
+    <p:extLst>
+      <p:ext uri="{BB962C8B-B14F-4D97-AF65-F5344CB8AC3E}">
+        <p14:creationId xmlns:p14="http://schemas.microsoft.com/office/powerpoint/2010/main" val="2455534366"/>
       </p:ext>
     </p:extLst>
   </p:cSld>
